--- a/Calendario2022/Presentaciones/Presentaciones/IF_CapaFisica.pptx
+++ b/Calendario2022/Presentaciones/Presentaciones/IF_CapaFisica.pptx
@@ -5,7 +5,7 @@
     <p:sldMasterId id="2147483648" r:id="rId1"/>
   </p:sldMasterIdLst>
   <p:notesMasterIdLst>
-    <p:notesMasterId r:id="rId21"/>
+    <p:notesMasterId r:id="rId22"/>
   </p:notesMasterIdLst>
   <p:sldIdLst>
     <p:sldId id="257" r:id="rId2"/>
@@ -27,6 +27,7 @@
     <p:sldId id="821" r:id="rId18"/>
     <p:sldId id="822" r:id="rId19"/>
     <p:sldId id="823" r:id="rId20"/>
+    <p:sldId id="296" r:id="rId21"/>
   </p:sldIdLst>
   <p:sldSz cx="9144000" cy="6858000" type="screen4x3"/>
   <p:notesSz cx="7023100" cy="9309100"/>
@@ -226,7 +227,7 @@
           <a:p>
             <a:fld id="{2D445F07-8756-451B-A938-0248325FC7BB}" type="datetimeFigureOut">
               <a:rPr lang="es-MX" smtClean="0"/>
-              <a:t>15/04/2022</a:t>
+              <a:t>20/04/2022</a:t>
             </a:fld>
             <a:endParaRPr lang="es-MX" dirty="0"/>
           </a:p>
@@ -1833,6 +1834,257 @@
 </p:notes>
 </file>
 
+<file path=ppt/notesSlides/notesSlide15.xml><?xml version="1.0" encoding="utf-8"?>
+<p:notes xmlns:a="http://schemas.openxmlformats.org/drawingml/2006/main" xmlns:r="http://schemas.openxmlformats.org/officeDocument/2006/relationships" xmlns:p="http://schemas.openxmlformats.org/presentationml/2006/main">
+  <p:cSld>
+    <p:spTree>
+      <p:nvGrpSpPr>
+        <p:cNvPr id="1" name=""/>
+        <p:cNvGrpSpPr/>
+        <p:nvPr/>
+      </p:nvGrpSpPr>
+      <p:grpSpPr>
+        <a:xfrm>
+          <a:off x="0" y="0"/>
+          <a:ext cx="0" cy="0"/>
+          <a:chOff x="0" y="0"/>
+          <a:chExt cx="0" cy="0"/>
+        </a:xfrm>
+      </p:grpSpPr>
+      <p:sp>
+        <p:nvSpPr>
+          <p:cNvPr id="53250" name="1 Marcador de imagen de diapositiva"/>
+          <p:cNvSpPr>
+            <a:spLocks noGrp="1" noRot="1" noChangeAspect="1" noTextEdit="1"/>
+          </p:cNvSpPr>
+          <p:nvPr>
+            <p:ph type="sldImg"/>
+          </p:nvPr>
+        </p:nvSpPr>
+        <p:spPr bwMode="auto">
+          <a:noFill/>
+          <a:ln>
+            <a:solidFill>
+              <a:srgbClr val="000000"/>
+            </a:solidFill>
+            <a:miter lim="800000"/>
+            <a:headEnd/>
+            <a:tailEnd/>
+          </a:ln>
+          <a:extLst>
+            <a:ext uri="{909E8E84-426E-40DD-AFC4-6F175D3DCCD1}">
+              <a14:hiddenFill xmlns:a14="http://schemas.microsoft.com/office/drawing/2010/main">
+                <a:solidFill>
+                  <a:srgbClr val="FFFFFF"/>
+                </a:solidFill>
+              </a14:hiddenFill>
+            </a:ext>
+          </a:extLst>
+        </p:spPr>
+      </p:sp>
+      <p:sp>
+        <p:nvSpPr>
+          <p:cNvPr id="53251" name="2 Marcador de notas"/>
+          <p:cNvSpPr>
+            <a:spLocks noGrp="1"/>
+          </p:cNvSpPr>
+          <p:nvPr>
+            <p:ph type="body" idx="1"/>
+          </p:nvPr>
+        </p:nvSpPr>
+        <p:spPr bwMode="auto">
+          <a:noFill/>
+          <a:extLst>
+            <a:ext uri="{909E8E84-426E-40DD-AFC4-6F175D3DCCD1}">
+              <a14:hiddenFill xmlns:a14="http://schemas.microsoft.com/office/drawing/2010/main">
+                <a:solidFill>
+                  <a:srgbClr val="FFFFFF"/>
+                </a:solidFill>
+              </a14:hiddenFill>
+            </a:ext>
+            <a:ext uri="{91240B29-F687-4F45-9708-019B960494DF}">
+              <a14:hiddenLine xmlns:a14="http://schemas.microsoft.com/office/drawing/2010/main" w="9525">
+                <a:solidFill>
+                  <a:srgbClr val="000000"/>
+                </a:solidFill>
+                <a:miter lim="800000"/>
+                <a:headEnd/>
+                <a:tailEnd/>
+              </a14:hiddenLine>
+            </a:ext>
+          </a:extLst>
+        </p:spPr>
+        <p:txBody>
+          <a:bodyPr wrap="square" numCol="1" anchor="t" anchorCtr="0" compatLnSpc="1">
+            <a:prstTxWarp prst="textNoShape">
+              <a:avLst/>
+            </a:prstTxWarp>
+          </a:bodyPr>
+          <a:lstStyle/>
+          <a:p>
+            <a:endParaRPr lang="es-MX"/>
+          </a:p>
+        </p:txBody>
+      </p:sp>
+      <p:sp>
+        <p:nvSpPr>
+          <p:cNvPr id="53252" name="3 Marcador de número de diapositiva"/>
+          <p:cNvSpPr>
+            <a:spLocks noGrp="1"/>
+          </p:cNvSpPr>
+          <p:nvPr>
+            <p:ph type="sldNum" sz="quarter" idx="5"/>
+          </p:nvPr>
+        </p:nvSpPr>
+        <p:spPr bwMode="auto">
+          <a:noFill/>
+          <a:extLst>
+            <a:ext uri="{909E8E84-426E-40DD-AFC4-6F175D3DCCD1}">
+              <a14:hiddenFill xmlns:a14="http://schemas.microsoft.com/office/drawing/2010/main">
+                <a:solidFill>
+                  <a:srgbClr val="FFFFFF"/>
+                </a:solidFill>
+              </a14:hiddenFill>
+            </a:ext>
+            <a:ext uri="{91240B29-F687-4F45-9708-019B960494DF}">
+              <a14:hiddenLine xmlns:a14="http://schemas.microsoft.com/office/drawing/2010/main" w="9525">
+                <a:solidFill>
+                  <a:srgbClr val="000000"/>
+                </a:solidFill>
+                <a:miter lim="800000"/>
+                <a:headEnd/>
+                <a:tailEnd/>
+              </a14:hiddenLine>
+            </a:ext>
+          </a:extLst>
+        </p:spPr>
+        <p:txBody>
+          <a:bodyPr wrap="square" numCol="1" anchorCtr="0" compatLnSpc="1">
+            <a:prstTxWarp prst="textNoShape">
+              <a:avLst/>
+            </a:prstTxWarp>
+          </a:bodyPr>
+          <a:lstStyle>
+            <a:lvl1pPr eaLnBrk="0" hangingPunct="0">
+              <a:defRPr sz="2400">
+                <a:solidFill>
+                  <a:schemeClr val="tx1"/>
+                </a:solidFill>
+                <a:latin typeface="Times New Roman" pitchFamily="18" charset="0"/>
+              </a:defRPr>
+            </a:lvl1pPr>
+            <a:lvl2pPr marL="752472" indent="-289412" eaLnBrk="0" hangingPunct="0">
+              <a:defRPr sz="2400">
+                <a:solidFill>
+                  <a:schemeClr val="tx1"/>
+                </a:solidFill>
+                <a:latin typeface="Times New Roman" pitchFamily="18" charset="0"/>
+              </a:defRPr>
+            </a:lvl2pPr>
+            <a:lvl3pPr marL="1157650" indent="-231530" eaLnBrk="0" hangingPunct="0">
+              <a:defRPr sz="2400">
+                <a:solidFill>
+                  <a:schemeClr val="tx1"/>
+                </a:solidFill>
+                <a:latin typeface="Times New Roman" pitchFamily="18" charset="0"/>
+              </a:defRPr>
+            </a:lvl3pPr>
+            <a:lvl4pPr marL="1620709" indent="-231530" eaLnBrk="0" hangingPunct="0">
+              <a:defRPr sz="2400">
+                <a:solidFill>
+                  <a:schemeClr val="tx1"/>
+                </a:solidFill>
+                <a:latin typeface="Times New Roman" pitchFamily="18" charset="0"/>
+              </a:defRPr>
+            </a:lvl4pPr>
+            <a:lvl5pPr marL="2083770" indent="-231530" eaLnBrk="0" hangingPunct="0">
+              <a:defRPr sz="2400">
+                <a:solidFill>
+                  <a:schemeClr val="tx1"/>
+                </a:solidFill>
+                <a:latin typeface="Times New Roman" pitchFamily="18" charset="0"/>
+              </a:defRPr>
+            </a:lvl5pPr>
+            <a:lvl6pPr marL="2546830" indent="-231530" eaLnBrk="0" fontAlgn="base" hangingPunct="0">
+              <a:spcBef>
+                <a:spcPct val="0"/>
+              </a:spcBef>
+              <a:spcAft>
+                <a:spcPct val="0"/>
+              </a:spcAft>
+              <a:defRPr sz="2400">
+                <a:solidFill>
+                  <a:schemeClr val="tx1"/>
+                </a:solidFill>
+                <a:latin typeface="Times New Roman" pitchFamily="18" charset="0"/>
+              </a:defRPr>
+            </a:lvl6pPr>
+            <a:lvl7pPr marL="3009889" indent="-231530" eaLnBrk="0" fontAlgn="base" hangingPunct="0">
+              <a:spcBef>
+                <a:spcPct val="0"/>
+              </a:spcBef>
+              <a:spcAft>
+                <a:spcPct val="0"/>
+              </a:spcAft>
+              <a:defRPr sz="2400">
+                <a:solidFill>
+                  <a:schemeClr val="tx1"/>
+                </a:solidFill>
+                <a:latin typeface="Times New Roman" pitchFamily="18" charset="0"/>
+              </a:defRPr>
+            </a:lvl7pPr>
+            <a:lvl8pPr marL="3472950" indent="-231530" eaLnBrk="0" fontAlgn="base" hangingPunct="0">
+              <a:spcBef>
+                <a:spcPct val="0"/>
+              </a:spcBef>
+              <a:spcAft>
+                <a:spcPct val="0"/>
+              </a:spcAft>
+              <a:defRPr sz="2400">
+                <a:solidFill>
+                  <a:schemeClr val="tx1"/>
+                </a:solidFill>
+                <a:latin typeface="Times New Roman" pitchFamily="18" charset="0"/>
+              </a:defRPr>
+            </a:lvl8pPr>
+            <a:lvl9pPr marL="3936009" indent="-231530" eaLnBrk="0" fontAlgn="base" hangingPunct="0">
+              <a:spcBef>
+                <a:spcPct val="0"/>
+              </a:spcBef>
+              <a:spcAft>
+                <a:spcPct val="0"/>
+              </a:spcAft>
+              <a:defRPr sz="2400">
+                <a:solidFill>
+                  <a:schemeClr val="tx1"/>
+                </a:solidFill>
+                <a:latin typeface="Times New Roman" pitchFamily="18" charset="0"/>
+              </a:defRPr>
+            </a:lvl9pPr>
+          </a:lstStyle>
+          <a:p>
+            <a:fld id="{360DD413-231F-4AC9-8686-13F53941A84A}" type="slidenum">
+              <a:rPr lang="es-MX" sz="1200"/>
+              <a:pPr/>
+              <a:t>20</a:t>
+            </a:fld>
+            <a:endParaRPr lang="es-MX" sz="1200"/>
+          </a:p>
+        </p:txBody>
+      </p:sp>
+    </p:spTree>
+    <p:extLst>
+      <p:ext uri="{BB962C8B-B14F-4D97-AF65-F5344CB8AC3E}">
+        <p14:creationId xmlns:p14="http://schemas.microsoft.com/office/powerpoint/2010/main" val="3249114458"/>
+      </p:ext>
+    </p:extLst>
+  </p:cSld>
+  <p:clrMapOvr>
+    <a:masterClrMapping/>
+  </p:clrMapOvr>
+</p:notes>
+</file>
+
 <file path=ppt/notesSlides/notesSlide2.xml><?xml version="1.0" encoding="utf-8"?>
 <p:notes xmlns:a="http://schemas.openxmlformats.org/drawingml/2006/main" xmlns:r="http://schemas.openxmlformats.org/officeDocument/2006/relationships" xmlns:p="http://schemas.openxmlformats.org/presentationml/2006/main">
   <p:cSld>
@@ -3696,7 +3948,7 @@
           <a:p>
             <a:fld id="{5E75A0DC-66C6-4CEC-A5EB-F8C97CEC3796}" type="datetimeFigureOut">
               <a:rPr lang="es-MX" smtClean="0"/>
-              <a:t>15/04/2022</a:t>
+              <a:t>20/04/2022</a:t>
             </a:fld>
             <a:endParaRPr lang="es-MX" dirty="0"/>
           </a:p>
@@ -3866,7 +4118,7 @@
           <a:p>
             <a:fld id="{5E75A0DC-66C6-4CEC-A5EB-F8C97CEC3796}" type="datetimeFigureOut">
               <a:rPr lang="es-MX" smtClean="0"/>
-              <a:t>15/04/2022</a:t>
+              <a:t>20/04/2022</a:t>
             </a:fld>
             <a:endParaRPr lang="es-MX" dirty="0"/>
           </a:p>
@@ -4046,7 +4298,7 @@
           <a:p>
             <a:fld id="{5E75A0DC-66C6-4CEC-A5EB-F8C97CEC3796}" type="datetimeFigureOut">
               <a:rPr lang="es-MX" smtClean="0"/>
-              <a:t>15/04/2022</a:t>
+              <a:t>20/04/2022</a:t>
             </a:fld>
             <a:endParaRPr lang="es-MX" dirty="0"/>
           </a:p>
@@ -4521,7 +4773,7 @@
           <a:p>
             <a:fld id="{5E75A0DC-66C6-4CEC-A5EB-F8C97CEC3796}" type="datetimeFigureOut">
               <a:rPr lang="es-MX" smtClean="0"/>
-              <a:t>15/04/2022</a:t>
+              <a:t>20/04/2022</a:t>
             </a:fld>
             <a:endParaRPr lang="es-MX" dirty="0"/>
           </a:p>
@@ -4767,7 +5019,7 @@
           <a:p>
             <a:fld id="{5E75A0DC-66C6-4CEC-A5EB-F8C97CEC3796}" type="datetimeFigureOut">
               <a:rPr lang="es-MX" smtClean="0"/>
-              <a:t>15/04/2022</a:t>
+              <a:t>20/04/2022</a:t>
             </a:fld>
             <a:endParaRPr lang="es-MX" dirty="0"/>
           </a:p>
@@ -5055,7 +5307,7 @@
           <a:p>
             <a:fld id="{5E75A0DC-66C6-4CEC-A5EB-F8C97CEC3796}" type="datetimeFigureOut">
               <a:rPr lang="es-MX" smtClean="0"/>
-              <a:t>15/04/2022</a:t>
+              <a:t>20/04/2022</a:t>
             </a:fld>
             <a:endParaRPr lang="es-MX" dirty="0"/>
           </a:p>
@@ -5477,7 +5729,7 @@
           <a:p>
             <a:fld id="{5E75A0DC-66C6-4CEC-A5EB-F8C97CEC3796}" type="datetimeFigureOut">
               <a:rPr lang="es-MX" smtClean="0"/>
-              <a:t>15/04/2022</a:t>
+              <a:t>20/04/2022</a:t>
             </a:fld>
             <a:endParaRPr lang="es-MX" dirty="0"/>
           </a:p>
@@ -5595,7 +5847,7 @@
           <a:p>
             <a:fld id="{5E75A0DC-66C6-4CEC-A5EB-F8C97CEC3796}" type="datetimeFigureOut">
               <a:rPr lang="es-MX" smtClean="0"/>
-              <a:t>15/04/2022</a:t>
+              <a:t>20/04/2022</a:t>
             </a:fld>
             <a:endParaRPr lang="es-MX" dirty="0"/>
           </a:p>
@@ -5690,7 +5942,7 @@
           <a:p>
             <a:fld id="{5E75A0DC-66C6-4CEC-A5EB-F8C97CEC3796}" type="datetimeFigureOut">
               <a:rPr lang="es-MX" smtClean="0"/>
-              <a:t>15/04/2022</a:t>
+              <a:t>20/04/2022</a:t>
             </a:fld>
             <a:endParaRPr lang="es-MX" dirty="0"/>
           </a:p>
@@ -5967,7 +6219,7 @@
           <a:p>
             <a:fld id="{5E75A0DC-66C6-4CEC-A5EB-F8C97CEC3796}" type="datetimeFigureOut">
               <a:rPr lang="es-MX" smtClean="0"/>
-              <a:t>15/04/2022</a:t>
+              <a:t>20/04/2022</a:t>
             </a:fld>
             <a:endParaRPr lang="es-MX" dirty="0"/>
           </a:p>
@@ -6220,7 +6472,7 @@
           <a:p>
             <a:fld id="{5E75A0DC-66C6-4CEC-A5EB-F8C97CEC3796}" type="datetimeFigureOut">
               <a:rPr lang="es-MX" smtClean="0"/>
-              <a:t>15/04/2022</a:t>
+              <a:t>20/04/2022</a:t>
             </a:fld>
             <a:endParaRPr lang="es-MX" dirty="0"/>
           </a:p>
@@ -6433,7 +6685,7 @@
           <a:p>
             <a:fld id="{5E75A0DC-66C6-4CEC-A5EB-F8C97CEC3796}" type="datetimeFigureOut">
               <a:rPr lang="es-MX" smtClean="0"/>
-              <a:t>15/04/2022</a:t>
+              <a:t>20/04/2022</a:t>
             </a:fld>
             <a:endParaRPr lang="es-MX" dirty="0"/>
           </a:p>
@@ -7055,7 +7307,7 @@
           <a:graphicData uri="http://schemas.openxmlformats.org/presentationml/2006/ole">
             <mc:AlternateContent xmlns:mc="http://schemas.openxmlformats.org/markup-compatibility/2006">
               <mc:Choice xmlns:v="urn:schemas-microsoft-com:vml" Requires="v">
-                <p:oleObj spid="_x0000_s29818" name="Imagen" r:id="rId3" imgW="3676650" imgH="1965325" progId="MS_ClipArt_Gallery.2">
+                <p:oleObj spid="_x0000_s29826" name="Imagen" r:id="rId3" imgW="3676650" imgH="1965325" progId="MS_ClipArt_Gallery.2">
                   <p:embed/>
                 </p:oleObj>
               </mc:Choice>
@@ -7222,7 +7474,7 @@
           <a:graphicData uri="http://schemas.openxmlformats.org/presentationml/2006/ole">
             <mc:AlternateContent xmlns:mc="http://schemas.openxmlformats.org/markup-compatibility/2006">
               <mc:Choice xmlns:v="urn:schemas-microsoft-com:vml" Requires="v">
-                <p:oleObj spid="_x0000_s29819" name="Imagen" r:id="rId5" imgW="2012950" imgH="977900" progId="MS_ClipArt_Gallery.2">
+                <p:oleObj spid="_x0000_s29827" name="Imagen" r:id="rId5" imgW="2012950" imgH="977900" progId="MS_ClipArt_Gallery.2">
                   <p:embed/>
                 </p:oleObj>
               </mc:Choice>
@@ -7376,7 +7628,7 @@
           <a:graphicData uri="http://schemas.openxmlformats.org/presentationml/2006/ole">
             <mc:AlternateContent xmlns:mc="http://schemas.openxmlformats.org/markup-compatibility/2006">
               <mc:Choice xmlns:v="urn:schemas-microsoft-com:vml" Requires="v">
-                <p:oleObj spid="_x0000_s29820" name="Imagen" r:id="rId7" imgW="1912938" imgH="1168400" progId="MS_ClipArt_Gallery.2">
+                <p:oleObj spid="_x0000_s29828" name="Imagen" r:id="rId7" imgW="1912938" imgH="1168400" progId="MS_ClipArt_Gallery.2">
                   <p:embed/>
                 </p:oleObj>
               </mc:Choice>
@@ -7469,7 +7721,7 @@
           <a:graphicData uri="http://schemas.openxmlformats.org/presentationml/2006/ole">
             <mc:AlternateContent xmlns:mc="http://schemas.openxmlformats.org/markup-compatibility/2006">
               <mc:Choice xmlns:v="urn:schemas-microsoft-com:vml" Requires="v">
-                <p:oleObj spid="_x0000_s29821" name="Imagen" r:id="rId9" imgW="2697163" imgH="2465388" progId="MS_ClipArt_Gallery.2">
+                <p:oleObj spid="_x0000_s29829" name="Imagen" r:id="rId9" imgW="2697163" imgH="2465388" progId="MS_ClipArt_Gallery.2">
                   <p:embed/>
                 </p:oleObj>
               </mc:Choice>
@@ -15506,8 +15758,8 @@
         </p:nvSpPr>
         <p:spPr>
           <a:xfrm>
-            <a:off x="328807" y="1649359"/>
-            <a:ext cx="8275641" cy="3550011"/>
+            <a:off x="486865" y="1879042"/>
+            <a:ext cx="8117583" cy="2092496"/>
           </a:xfrm>
           <a:prstGeom prst="rect">
             <a:avLst/>
@@ -15520,13 +15772,15 @@
           </a:bodyPr>
           <a:lstStyle/>
           <a:p>
-            <a:pPr algn="just">
+            <a:pPr marL="285750" indent="-285750" algn="just">
               <a:lnSpc>
-                <a:spcPct val="107000"/>
+                <a:spcPts val="2500"/>
               </a:lnSpc>
               <a:spcAft>
                 <a:spcPts val="800"/>
               </a:spcAft>
+              <a:buFont typeface="Arial" panose="020B0604020202020204" pitchFamily="34" charset="0"/>
+              <a:buChar char="•"/>
             </a:pPr>
             <a:r>
               <a:rPr lang="es-MX" sz="1600" b="1" dirty="0">
@@ -15567,13 +15821,15 @@
             </a:r>
           </a:p>
           <a:p>
-            <a:pPr algn="just">
+            <a:pPr marL="285750" indent="-285750" algn="just">
               <a:lnSpc>
-                <a:spcPct val="107000"/>
+                <a:spcPts val="2500"/>
               </a:lnSpc>
               <a:spcAft>
                 <a:spcPts val="800"/>
               </a:spcAft>
+              <a:buFont typeface="Arial" panose="020B0604020202020204" pitchFamily="34" charset="0"/>
+              <a:buChar char="•"/>
             </a:pPr>
             <a:r>
               <a:rPr lang="es-MX" sz="1600" b="1" dirty="0">
@@ -15611,82 +15867,6 @@
                 <a:cs typeface="Times New Roman" panose="02020603050405020304" pitchFamily="18" charset="0"/>
               </a:rPr>
               <a:t>Es el tiempo que tarda un archivo en ser subido a un servidor externo. Se mide la cantidad de megas que la conexión a Internet puede subir en un segundo al servidor.</a:t>
-            </a:r>
-          </a:p>
-          <a:p>
-            <a:pPr algn="just">
-              <a:lnSpc>
-                <a:spcPct val="107000"/>
-              </a:lnSpc>
-              <a:spcAft>
-                <a:spcPts val="800"/>
-              </a:spcAft>
-            </a:pPr>
-            <a:r>
-              <a:rPr lang="es-MX" sz="1600" b="1" dirty="0">
-                <a:solidFill>
-                  <a:schemeClr val="accent6">
-                    <a:lumMod val="75000"/>
-                  </a:schemeClr>
-                </a:solidFill>
-                <a:effectLst/>
-                <a:latin typeface="Calibri" panose="020F0502020204030204" pitchFamily="34" charset="0"/>
-                <a:ea typeface="Calibri" panose="020F0502020204030204" pitchFamily="34" charset="0"/>
-                <a:cs typeface="Times New Roman" panose="02020603050405020304" pitchFamily="18" charset="0"/>
-              </a:rPr>
-              <a:t>Latencia y ping: </a:t>
-            </a:r>
-            <a:r>
-              <a:rPr lang="es-MX" sz="1600" dirty="0">
-                <a:effectLst/>
-                <a:latin typeface="Calibri" panose="020F0502020204030204" pitchFamily="34" charset="0"/>
-                <a:ea typeface="Calibri" panose="020F0502020204030204" pitchFamily="34" charset="0"/>
-                <a:cs typeface="Times New Roman" panose="02020603050405020304" pitchFamily="18" charset="0"/>
-              </a:rPr>
-              <a:t>Es el tiempo exacto que tarda un paquete de datos en transmitirse dentro de una red (del dispositivo al servidor o viceversa en este caso). La latencia se mide en pings. </a:t>
-            </a:r>
-            <a:r>
-              <a:rPr lang="es-ES" sz="1600" dirty="0">
-                <a:latin typeface="Calibri" panose="020F0502020204030204" pitchFamily="34" charset="0"/>
-                <a:cs typeface="Times New Roman" panose="02020603050405020304" pitchFamily="18" charset="0"/>
-              </a:rPr>
-              <a:t>Es el tiempo que transcurre desde que tu navegador realiza una solicitud de información y el tiempo que demora en llegar la respuesta solicitada. Mientras menor sea la latencia, mejor será la conexión a internet.</a:t>
-            </a:r>
-            <a:endParaRPr lang="es-MX" sz="1600" dirty="0">
-              <a:latin typeface="Calibri" panose="020F0502020204030204" pitchFamily="34" charset="0"/>
-              <a:cs typeface="Times New Roman" panose="02020603050405020304" pitchFamily="18" charset="0"/>
-            </a:endParaRPr>
-          </a:p>
-          <a:p>
-            <a:pPr>
-              <a:lnSpc>
-                <a:spcPct val="107000"/>
-              </a:lnSpc>
-              <a:spcAft>
-                <a:spcPts val="800"/>
-              </a:spcAft>
-            </a:pPr>
-            <a:r>
-              <a:rPr lang="es-MX" sz="1600" b="1" dirty="0">
-                <a:solidFill>
-                  <a:schemeClr val="accent6">
-                    <a:lumMod val="75000"/>
-                  </a:schemeClr>
-                </a:solidFill>
-                <a:latin typeface="Calibri" panose="020F0502020204030204" pitchFamily="34" charset="0"/>
-                <a:ea typeface="Calibri" panose="020F0502020204030204" pitchFamily="34" charset="0"/>
-                <a:cs typeface="Times New Roman" panose="02020603050405020304" pitchFamily="18" charset="0"/>
-              </a:rPr>
-              <a:t>Ping: </a:t>
-            </a:r>
-            <a:r>
-              <a:rPr lang="es-MX" sz="1600" dirty="0">
-                <a:effectLst/>
-                <a:latin typeface="Calibri" panose="020F0502020204030204" pitchFamily="34" charset="0"/>
-                <a:ea typeface="Calibri" panose="020F0502020204030204" pitchFamily="34" charset="0"/>
-                <a:cs typeface="Times New Roman" panose="02020603050405020304" pitchFamily="18" charset="0"/>
-              </a:rPr>
-              <a:t>Son los milisegundos que tardan en comunicarse entre sí el servidor y el dispositivo. Cuanto menor sea la latencia/ping mejor, ya que menos tardará en conectarse servidor y dispositivo. </a:t>
             </a:r>
           </a:p>
         </p:txBody>
@@ -15719,7 +15899,7 @@
         </p:blipFill>
         <p:spPr>
           <a:xfrm>
-            <a:off x="2195736" y="5373216"/>
+            <a:off x="1691680" y="4077072"/>
             <a:ext cx="6308768" cy="2140007"/>
           </a:xfrm>
           <a:prstGeom prst="rect">
@@ -15845,168 +16025,6 @@
       </p:grpSpPr>
       <p:sp>
         <p:nvSpPr>
-          <p:cNvPr id="19461" name="10 CuadroTexto"/>
-          <p:cNvSpPr txBox="1">
-            <a:spLocks noChangeArrowheads="1"/>
-          </p:cNvSpPr>
-          <p:nvPr/>
-        </p:nvSpPr>
-        <p:spPr bwMode="auto">
-          <a:xfrm>
-            <a:off x="539552" y="836712"/>
-            <a:ext cx="8064896" cy="792781"/>
-          </a:xfrm>
-          <a:prstGeom prst="rect">
-            <a:avLst/>
-          </a:prstGeom>
-          <a:noFill/>
-          <a:ln>
-            <a:noFill/>
-          </a:ln>
-          <a:extLst>
-            <a:ext uri="{909E8E84-426E-40DD-AFC4-6F175D3DCCD1}">
-              <a14:hiddenFill xmlns:a14="http://schemas.microsoft.com/office/drawing/2010/main">
-                <a:solidFill>
-                  <a:srgbClr val="FFFFFF"/>
-                </a:solidFill>
-              </a14:hiddenFill>
-            </a:ext>
-            <a:ext uri="{91240B29-F687-4F45-9708-019B960494DF}">
-              <a14:hiddenLine xmlns:a14="http://schemas.microsoft.com/office/drawing/2010/main" w="9525">
-                <a:solidFill>
-                  <a:srgbClr val="000000"/>
-                </a:solidFill>
-                <a:miter lim="800000"/>
-                <a:headEnd/>
-                <a:tailEnd/>
-              </a14:hiddenLine>
-            </a:ext>
-          </a:extLst>
-        </p:spPr>
-        <p:txBody>
-          <a:bodyPr wrap="square">
-            <a:spAutoFit/>
-          </a:bodyPr>
-          <a:lstStyle>
-            <a:lvl1pPr eaLnBrk="0" hangingPunct="0">
-              <a:defRPr sz="2400">
-                <a:solidFill>
-                  <a:schemeClr val="tx1"/>
-                </a:solidFill>
-                <a:latin typeface="Times New Roman" pitchFamily="18" charset="0"/>
-              </a:defRPr>
-            </a:lvl1pPr>
-            <a:lvl2pPr marL="742950" indent="-285750" eaLnBrk="0" hangingPunct="0">
-              <a:defRPr sz="2400">
-                <a:solidFill>
-                  <a:schemeClr val="tx1"/>
-                </a:solidFill>
-                <a:latin typeface="Times New Roman" pitchFamily="18" charset="0"/>
-              </a:defRPr>
-            </a:lvl2pPr>
-            <a:lvl3pPr marL="1143000" indent="-228600" eaLnBrk="0" hangingPunct="0">
-              <a:defRPr sz="2400">
-                <a:solidFill>
-                  <a:schemeClr val="tx1"/>
-                </a:solidFill>
-                <a:latin typeface="Times New Roman" pitchFamily="18" charset="0"/>
-              </a:defRPr>
-            </a:lvl3pPr>
-            <a:lvl4pPr marL="1600200" indent="-228600" eaLnBrk="0" hangingPunct="0">
-              <a:defRPr sz="2400">
-                <a:solidFill>
-                  <a:schemeClr val="tx1"/>
-                </a:solidFill>
-                <a:latin typeface="Times New Roman" pitchFamily="18" charset="0"/>
-              </a:defRPr>
-            </a:lvl4pPr>
-            <a:lvl5pPr marL="2057400" indent="-228600" eaLnBrk="0" hangingPunct="0">
-              <a:defRPr sz="2400">
-                <a:solidFill>
-                  <a:schemeClr val="tx1"/>
-                </a:solidFill>
-                <a:latin typeface="Times New Roman" pitchFamily="18" charset="0"/>
-              </a:defRPr>
-            </a:lvl5pPr>
-            <a:lvl6pPr marL="2514600" indent="-228600" eaLnBrk="0" fontAlgn="base" hangingPunct="0">
-              <a:spcBef>
-                <a:spcPct val="0"/>
-              </a:spcBef>
-              <a:spcAft>
-                <a:spcPct val="0"/>
-              </a:spcAft>
-              <a:defRPr sz="2400">
-                <a:solidFill>
-                  <a:schemeClr val="tx1"/>
-                </a:solidFill>
-                <a:latin typeface="Times New Roman" pitchFamily="18" charset="0"/>
-              </a:defRPr>
-            </a:lvl6pPr>
-            <a:lvl7pPr marL="2971800" indent="-228600" eaLnBrk="0" fontAlgn="base" hangingPunct="0">
-              <a:spcBef>
-                <a:spcPct val="0"/>
-              </a:spcBef>
-              <a:spcAft>
-                <a:spcPct val="0"/>
-              </a:spcAft>
-              <a:defRPr sz="2400">
-                <a:solidFill>
-                  <a:schemeClr val="tx1"/>
-                </a:solidFill>
-                <a:latin typeface="Times New Roman" pitchFamily="18" charset="0"/>
-              </a:defRPr>
-            </a:lvl7pPr>
-            <a:lvl8pPr marL="3429000" indent="-228600" eaLnBrk="0" fontAlgn="base" hangingPunct="0">
-              <a:spcBef>
-                <a:spcPct val="0"/>
-              </a:spcBef>
-              <a:spcAft>
-                <a:spcPct val="0"/>
-              </a:spcAft>
-              <a:defRPr sz="2400">
-                <a:solidFill>
-                  <a:schemeClr val="tx1"/>
-                </a:solidFill>
-                <a:latin typeface="Times New Roman" pitchFamily="18" charset="0"/>
-              </a:defRPr>
-            </a:lvl8pPr>
-            <a:lvl9pPr marL="3886200" indent="-228600" eaLnBrk="0" fontAlgn="base" hangingPunct="0">
-              <a:spcBef>
-                <a:spcPct val="0"/>
-              </a:spcBef>
-              <a:spcAft>
-                <a:spcPct val="0"/>
-              </a:spcAft>
-              <a:defRPr sz="2400">
-                <a:solidFill>
-                  <a:schemeClr val="tx1"/>
-                </a:solidFill>
-                <a:latin typeface="Times New Roman" pitchFamily="18" charset="0"/>
-              </a:defRPr>
-            </a:lvl9pPr>
-          </a:lstStyle>
-          <a:p>
-            <a:pPr algn="ctr" eaLnBrk="1" hangingPunct="1">
-              <a:lnSpc>
-                <a:spcPct val="150000"/>
-              </a:lnSpc>
-            </a:pPr>
-            <a:r>
-              <a:rPr lang="es-ES" sz="1600" b="1" dirty="0">
-                <a:solidFill>
-                  <a:schemeClr val="accent5">
-                    <a:lumMod val="75000"/>
-                  </a:schemeClr>
-                </a:solidFill>
-                <a:latin typeface="ZapfHumnst BT"/>
-              </a:rPr>
-              <a:t>El test de velocidad utiliza un algoritmo único que permite medir con precisión la velocidad de subida y de bajada y la latencia (ping) de tu conexión a Internet.</a:t>
-            </a:r>
-          </a:p>
-        </p:txBody>
-      </p:sp>
-      <p:sp>
-        <p:nvSpPr>
           <p:cNvPr id="8" name="Rectangle 2"/>
           <p:cNvSpPr txBox="1">
             <a:spLocks noChangeArrowheads="1"/>
@@ -16093,8 +16111,8 @@
         </p:nvSpPr>
         <p:spPr>
           <a:xfrm>
-            <a:off x="328807" y="1649359"/>
-            <a:ext cx="8275641" cy="3550011"/>
+            <a:off x="611560" y="1150145"/>
+            <a:ext cx="8136904" cy="2733697"/>
           </a:xfrm>
           <a:prstGeom prst="rect">
             <a:avLst/>
@@ -16107,107 +16125,15 @@
           </a:bodyPr>
           <a:lstStyle/>
           <a:p>
-            <a:pPr algn="just">
+            <a:pPr marL="285750" indent="-285750" algn="just">
               <a:lnSpc>
-                <a:spcPct val="107000"/>
+                <a:spcPts val="2500"/>
               </a:lnSpc>
               <a:spcAft>
                 <a:spcPts val="800"/>
               </a:spcAft>
-            </a:pPr>
-            <a:r>
-              <a:rPr lang="es-MX" sz="1600" b="1" dirty="0">
-                <a:solidFill>
-                  <a:schemeClr val="accent6">
-                    <a:lumMod val="75000"/>
-                  </a:schemeClr>
-                </a:solidFill>
-                <a:effectLst/>
-                <a:latin typeface="Calibri" panose="020F0502020204030204" pitchFamily="34" charset="0"/>
-                <a:ea typeface="Calibri" panose="020F0502020204030204" pitchFamily="34" charset="0"/>
-                <a:cs typeface="Times New Roman" panose="02020603050405020304" pitchFamily="18" charset="0"/>
-              </a:rPr>
-              <a:t>Velocidad de descarga:</a:t>
-            </a:r>
-            <a:r>
-              <a:rPr lang="es-MX" sz="1600" dirty="0">
-                <a:solidFill>
-                  <a:schemeClr val="accent6">
-                    <a:lumMod val="75000"/>
-                  </a:schemeClr>
-                </a:solidFill>
-                <a:effectLst/>
-                <a:latin typeface="Calibri" panose="020F0502020204030204" pitchFamily="34" charset="0"/>
-                <a:ea typeface="Calibri" panose="020F0502020204030204" pitchFamily="34" charset="0"/>
-                <a:cs typeface="Times New Roman" panose="02020603050405020304" pitchFamily="18" charset="0"/>
-              </a:rPr>
-              <a:t> </a:t>
-            </a:r>
-            <a:r>
-              <a:rPr lang="es-MX" sz="1600" dirty="0">
-                <a:effectLst/>
-                <a:latin typeface="Calibri" panose="020F0502020204030204" pitchFamily="34" charset="0"/>
-                <a:ea typeface="Calibri" panose="020F0502020204030204" pitchFamily="34" charset="0"/>
-                <a:cs typeface="Times New Roman" panose="02020603050405020304" pitchFamily="18" charset="0"/>
-              </a:rPr>
-              <a:t>Es el tiempo que tarda un archivo en ser descargado desde un servidor externo al dispositivo que se está utilizando. Se mide la cantidad de megas que se consiguen descargar en un segundo.</a:t>
-            </a:r>
-          </a:p>
-          <a:p>
-            <a:pPr algn="just">
-              <a:lnSpc>
-                <a:spcPct val="107000"/>
-              </a:lnSpc>
-              <a:spcAft>
-                <a:spcPts val="800"/>
-              </a:spcAft>
-            </a:pPr>
-            <a:r>
-              <a:rPr lang="es-MX" sz="1600" b="1" dirty="0">
-                <a:solidFill>
-                  <a:schemeClr val="accent6">
-                    <a:lumMod val="75000"/>
-                  </a:schemeClr>
-                </a:solidFill>
-                <a:effectLst/>
-                <a:latin typeface="Calibri" panose="020F0502020204030204" pitchFamily="34" charset="0"/>
-                <a:ea typeface="Calibri" panose="020F0502020204030204" pitchFamily="34" charset="0"/>
-                <a:cs typeface="Times New Roman" panose="02020603050405020304" pitchFamily="18" charset="0"/>
-              </a:rPr>
-              <a:t>Velocidad de subida:</a:t>
-            </a:r>
-            <a:r>
-              <a:rPr lang="es-MX" sz="1600" dirty="0">
-                <a:solidFill>
-                  <a:schemeClr val="accent6">
-                    <a:lumMod val="75000"/>
-                  </a:schemeClr>
-                </a:solidFill>
-                <a:effectLst/>
-                <a:latin typeface="Calibri" panose="020F0502020204030204" pitchFamily="34" charset="0"/>
-                <a:ea typeface="Calibri" panose="020F0502020204030204" pitchFamily="34" charset="0"/>
-                <a:cs typeface="Times New Roman" panose="02020603050405020304" pitchFamily="18" charset="0"/>
-              </a:rPr>
-              <a:t> </a:t>
-            </a:r>
-            <a:r>
-              <a:rPr lang="es-MX" sz="1600" dirty="0">
-                <a:effectLst/>
-                <a:latin typeface="Calibri" panose="020F0502020204030204" pitchFamily="34" charset="0"/>
-                <a:ea typeface="Calibri" panose="020F0502020204030204" pitchFamily="34" charset="0"/>
-                <a:cs typeface="Times New Roman" panose="02020603050405020304" pitchFamily="18" charset="0"/>
-              </a:rPr>
-              <a:t>Es el tiempo que tarda un archivo en ser subido a un servidor externo. Se mide la cantidad de megas que la conexión a Internet puede subir en un segundo al servidor.</a:t>
-            </a:r>
-          </a:p>
-          <a:p>
-            <a:pPr algn="just">
-              <a:lnSpc>
-                <a:spcPct val="107000"/>
-              </a:lnSpc>
-              <a:spcAft>
-                <a:spcPts val="800"/>
-              </a:spcAft>
+              <a:buFont typeface="Arial" panose="020B0604020202020204" pitchFamily="34" charset="0"/>
+              <a:buChar char="•"/>
             </a:pPr>
             <a:r>
               <a:rPr lang="es-MX" sz="1600" b="1" dirty="0">
@@ -16245,13 +16171,15 @@
             </a:endParaRPr>
           </a:p>
           <a:p>
-            <a:pPr>
+            <a:pPr marL="285750" indent="-285750" algn="just">
               <a:lnSpc>
-                <a:spcPct val="107000"/>
+                <a:spcPts val="2500"/>
               </a:lnSpc>
               <a:spcAft>
                 <a:spcPts val="800"/>
               </a:spcAft>
+              <a:buFont typeface="Arial" panose="020B0604020202020204" pitchFamily="34" charset="0"/>
+              <a:buChar char="•"/>
             </a:pPr>
             <a:r>
               <a:rPr lang="es-MX" sz="1600" b="1" dirty="0">
@@ -16306,7 +16234,7 @@
         </p:blipFill>
         <p:spPr>
           <a:xfrm>
-            <a:off x="2195736" y="5373216"/>
+            <a:off x="1763688" y="4123678"/>
             <a:ext cx="6308768" cy="2140007"/>
           </a:xfrm>
           <a:prstGeom prst="rect">
@@ -16324,92 +16252,6 @@
   <p:clrMapOvr>
     <a:masterClrMapping/>
   </p:clrMapOvr>
-  <p:timing>
-    <p:tnLst>
-      <p:par>
-        <p:cTn id="1" dur="indefinite" restart="never" nodeType="tmRoot">
-          <p:childTnLst>
-            <p:seq concurrent="1" nextAc="seek">
-              <p:cTn id="2" dur="indefinite" nodeType="mainSeq">
-                <p:childTnLst>
-                  <p:par>
-                    <p:cTn id="3" fill="hold" nodeType="clickPar">
-                      <p:stCondLst>
-                        <p:cond delay="indefinite"/>
-                      </p:stCondLst>
-                      <p:childTnLst>
-                        <p:par>
-                          <p:cTn id="4" fill="hold" nodeType="withGroup">
-                            <p:stCondLst>
-                              <p:cond delay="0"/>
-                            </p:stCondLst>
-                            <p:childTnLst>
-                              <p:par>
-                                <p:cTn id="5" presetID="4" presetClass="entr" presetSubtype="16" fill="hold" grpId="0" nodeType="clickEffect">
-                                  <p:stCondLst>
-                                    <p:cond delay="0"/>
-                                  </p:stCondLst>
-                                  <p:childTnLst>
-                                    <p:set>
-                                      <p:cBhvr>
-                                        <p:cTn id="6" dur="1" fill="hold">
-                                          <p:stCondLst>
-                                            <p:cond delay="0"/>
-                                          </p:stCondLst>
-                                        </p:cTn>
-                                        <p:tgtEl>
-                                          <p:spTgt spid="19461"/>
-                                        </p:tgtEl>
-                                        <p:attrNameLst>
-                                          <p:attrName>style.visibility</p:attrName>
-                                        </p:attrNameLst>
-                                      </p:cBhvr>
-                                      <p:to>
-                                        <p:strVal val="visible"/>
-                                      </p:to>
-                                    </p:set>
-                                    <p:animEffect transition="in" filter="box(in)">
-                                      <p:cBhvr>
-                                        <p:cTn id="7" dur="500"/>
-                                        <p:tgtEl>
-                                          <p:spTgt spid="19461"/>
-                                        </p:tgtEl>
-                                      </p:cBhvr>
-                                    </p:animEffect>
-                                  </p:childTnLst>
-                                </p:cTn>
-                              </p:par>
-                            </p:childTnLst>
-                          </p:cTn>
-                        </p:par>
-                      </p:childTnLst>
-                    </p:cTn>
-                  </p:par>
-                </p:childTnLst>
-              </p:cTn>
-              <p:prevCondLst>
-                <p:cond evt="onPrev" delay="0">
-                  <p:tgtEl>
-                    <p:sldTgt/>
-                  </p:tgtEl>
-                </p:cond>
-              </p:prevCondLst>
-              <p:nextCondLst>
-                <p:cond evt="onNext" delay="0">
-                  <p:tgtEl>
-                    <p:sldTgt/>
-                  </p:tgtEl>
-                </p:cond>
-              </p:nextCondLst>
-            </p:seq>
-          </p:childTnLst>
-        </p:cTn>
-      </p:par>
-    </p:tnLst>
-    <p:bldLst>
-      <p:bldP spid="19461" grpId="0"/>
-    </p:bldLst>
-  </p:timing>
 </p:sld>
 </file>
 
@@ -16476,7 +16318,7 @@
         </p:nvSpPr>
         <p:spPr bwMode="auto">
           <a:xfrm>
-            <a:off x="802481" y="332656"/>
+            <a:off x="802481" y="692696"/>
             <a:ext cx="7539037" cy="584775"/>
           </a:xfrm>
           <a:prstGeom prst="rect">
@@ -17245,6 +17087,1738 @@
     </p:tnLst>
     <p:bldLst>
       <p:bldP spid="5" grpId="0" autoUpdateAnimBg="0"/>
+    </p:bldLst>
+  </p:timing>
+</p:sld>
+</file>
+
+<file path=ppt/slides/slide20.xml><?xml version="1.0" encoding="utf-8"?>
+<p:sld xmlns:a="http://schemas.openxmlformats.org/drawingml/2006/main" xmlns:r="http://schemas.openxmlformats.org/officeDocument/2006/relationships" xmlns:p="http://schemas.openxmlformats.org/presentationml/2006/main">
+  <p:cSld>
+    <p:spTree>
+      <p:nvGrpSpPr>
+        <p:cNvPr id="1" name=""/>
+        <p:cNvGrpSpPr/>
+        <p:nvPr/>
+      </p:nvGrpSpPr>
+      <p:grpSpPr>
+        <a:xfrm>
+          <a:off x="0" y="0"/>
+          <a:ext cx="0" cy="0"/>
+          <a:chOff x="0" y="0"/>
+          <a:chExt cx="0" cy="0"/>
+        </a:xfrm>
+      </p:grpSpPr>
+      <p:sp>
+        <p:nvSpPr>
+          <p:cNvPr id="32772" name="6 CuadroTexto"/>
+          <p:cNvSpPr txBox="1">
+            <a:spLocks noChangeArrowheads="1"/>
+          </p:cNvSpPr>
+          <p:nvPr/>
+        </p:nvSpPr>
+        <p:spPr bwMode="auto">
+          <a:xfrm>
+            <a:off x="571500" y="857250"/>
+            <a:ext cx="4643438" cy="554038"/>
+          </a:xfrm>
+          <a:prstGeom prst="rect">
+            <a:avLst/>
+          </a:prstGeom>
+          <a:noFill/>
+          <a:ln>
+            <a:noFill/>
+          </a:ln>
+          <a:extLst>
+            <a:ext uri="{909E8E84-426E-40DD-AFC4-6F175D3DCCD1}">
+              <a14:hiddenFill xmlns:a14="http://schemas.microsoft.com/office/drawing/2010/main">
+                <a:solidFill>
+                  <a:srgbClr val="FFFFFF"/>
+                </a:solidFill>
+              </a14:hiddenFill>
+            </a:ext>
+            <a:ext uri="{91240B29-F687-4F45-9708-019B960494DF}">
+              <a14:hiddenLine xmlns:a14="http://schemas.microsoft.com/office/drawing/2010/main" w="9525">
+                <a:solidFill>
+                  <a:srgbClr val="000000"/>
+                </a:solidFill>
+                <a:miter lim="800000"/>
+                <a:headEnd/>
+                <a:tailEnd/>
+              </a14:hiddenLine>
+            </a:ext>
+          </a:extLst>
+        </p:spPr>
+        <p:txBody>
+          <a:bodyPr>
+            <a:spAutoFit/>
+          </a:bodyPr>
+          <a:lstStyle>
+            <a:lvl1pPr eaLnBrk="0" hangingPunct="0">
+              <a:defRPr sz="2400">
+                <a:solidFill>
+                  <a:schemeClr val="tx1"/>
+                </a:solidFill>
+                <a:latin typeface="Times New Roman" pitchFamily="18" charset="0"/>
+              </a:defRPr>
+            </a:lvl1pPr>
+            <a:lvl2pPr marL="742950" indent="-285750" eaLnBrk="0" hangingPunct="0">
+              <a:defRPr sz="2400">
+                <a:solidFill>
+                  <a:schemeClr val="tx1"/>
+                </a:solidFill>
+                <a:latin typeface="Times New Roman" pitchFamily="18" charset="0"/>
+              </a:defRPr>
+            </a:lvl2pPr>
+            <a:lvl3pPr marL="1143000" indent="-228600" eaLnBrk="0" hangingPunct="0">
+              <a:defRPr sz="2400">
+                <a:solidFill>
+                  <a:schemeClr val="tx1"/>
+                </a:solidFill>
+                <a:latin typeface="Times New Roman" pitchFamily="18" charset="0"/>
+              </a:defRPr>
+            </a:lvl3pPr>
+            <a:lvl4pPr marL="1600200" indent="-228600" eaLnBrk="0" hangingPunct="0">
+              <a:defRPr sz="2400">
+                <a:solidFill>
+                  <a:schemeClr val="tx1"/>
+                </a:solidFill>
+                <a:latin typeface="Times New Roman" pitchFamily="18" charset="0"/>
+              </a:defRPr>
+            </a:lvl4pPr>
+            <a:lvl5pPr marL="2057400" indent="-228600" eaLnBrk="0" hangingPunct="0">
+              <a:defRPr sz="2400">
+                <a:solidFill>
+                  <a:schemeClr val="tx1"/>
+                </a:solidFill>
+                <a:latin typeface="Times New Roman" pitchFamily="18" charset="0"/>
+              </a:defRPr>
+            </a:lvl5pPr>
+            <a:lvl6pPr marL="2514600" indent="-228600" eaLnBrk="0" fontAlgn="base" hangingPunct="0">
+              <a:spcBef>
+                <a:spcPct val="0"/>
+              </a:spcBef>
+              <a:spcAft>
+                <a:spcPct val="0"/>
+              </a:spcAft>
+              <a:defRPr sz="2400">
+                <a:solidFill>
+                  <a:schemeClr val="tx1"/>
+                </a:solidFill>
+                <a:latin typeface="Times New Roman" pitchFamily="18" charset="0"/>
+              </a:defRPr>
+            </a:lvl6pPr>
+            <a:lvl7pPr marL="2971800" indent="-228600" eaLnBrk="0" fontAlgn="base" hangingPunct="0">
+              <a:spcBef>
+                <a:spcPct val="0"/>
+              </a:spcBef>
+              <a:spcAft>
+                <a:spcPct val="0"/>
+              </a:spcAft>
+              <a:defRPr sz="2400">
+                <a:solidFill>
+                  <a:schemeClr val="tx1"/>
+                </a:solidFill>
+                <a:latin typeface="Times New Roman" pitchFamily="18" charset="0"/>
+              </a:defRPr>
+            </a:lvl7pPr>
+            <a:lvl8pPr marL="3429000" indent="-228600" eaLnBrk="0" fontAlgn="base" hangingPunct="0">
+              <a:spcBef>
+                <a:spcPct val="0"/>
+              </a:spcBef>
+              <a:spcAft>
+                <a:spcPct val="0"/>
+              </a:spcAft>
+              <a:defRPr sz="2400">
+                <a:solidFill>
+                  <a:schemeClr val="tx1"/>
+                </a:solidFill>
+                <a:latin typeface="Times New Roman" pitchFamily="18" charset="0"/>
+              </a:defRPr>
+            </a:lvl8pPr>
+            <a:lvl9pPr marL="3886200" indent="-228600" eaLnBrk="0" fontAlgn="base" hangingPunct="0">
+              <a:spcBef>
+                <a:spcPct val="0"/>
+              </a:spcBef>
+              <a:spcAft>
+                <a:spcPct val="0"/>
+              </a:spcAft>
+              <a:defRPr sz="2400">
+                <a:solidFill>
+                  <a:schemeClr val="tx1"/>
+                </a:solidFill>
+                <a:latin typeface="Times New Roman" pitchFamily="18" charset="0"/>
+              </a:defRPr>
+            </a:lvl9pPr>
+          </a:lstStyle>
+          <a:p>
+            <a:pPr algn="just" eaLnBrk="1" hangingPunct="1">
+              <a:lnSpc>
+                <a:spcPct val="150000"/>
+              </a:lnSpc>
+            </a:pPr>
+            <a:r>
+              <a:rPr lang="es-MX" sz="2000" b="1">
+                <a:solidFill>
+                  <a:schemeClr val="accent6">
+                    <a:lumMod val="75000"/>
+                  </a:schemeClr>
+                </a:solidFill>
+                <a:latin typeface="ZapfHumnst BT"/>
+              </a:rPr>
+              <a:t>Tiempo de duración de un bit</a:t>
+            </a:r>
+          </a:p>
+        </p:txBody>
+      </p:sp>
+      <p:sp>
+        <p:nvSpPr>
+          <p:cNvPr id="32773" name="6 CuadroTexto"/>
+          <p:cNvSpPr txBox="1">
+            <a:spLocks noChangeArrowheads="1"/>
+          </p:cNvSpPr>
+          <p:nvPr/>
+        </p:nvSpPr>
+        <p:spPr bwMode="auto">
+          <a:xfrm>
+            <a:off x="571500" y="1492250"/>
+            <a:ext cx="8001000" cy="514115"/>
+          </a:xfrm>
+          <a:prstGeom prst="rect">
+            <a:avLst/>
+          </a:prstGeom>
+          <a:noFill/>
+          <a:ln>
+            <a:noFill/>
+          </a:ln>
+          <a:extLst>
+            <a:ext uri="{909E8E84-426E-40DD-AFC4-6F175D3DCCD1}">
+              <a14:hiddenFill xmlns:a14="http://schemas.microsoft.com/office/drawing/2010/main">
+                <a:solidFill>
+                  <a:srgbClr val="FFFFFF"/>
+                </a:solidFill>
+              </a14:hiddenFill>
+            </a:ext>
+            <a:ext uri="{91240B29-F687-4F45-9708-019B960494DF}">
+              <a14:hiddenLine xmlns:a14="http://schemas.microsoft.com/office/drawing/2010/main" w="9525">
+                <a:solidFill>
+                  <a:srgbClr val="000000"/>
+                </a:solidFill>
+                <a:miter lim="800000"/>
+                <a:headEnd/>
+                <a:tailEnd/>
+              </a14:hiddenLine>
+            </a:ext>
+          </a:extLst>
+        </p:spPr>
+        <p:txBody>
+          <a:bodyPr>
+            <a:spAutoFit/>
+          </a:bodyPr>
+          <a:lstStyle>
+            <a:lvl1pPr eaLnBrk="0" hangingPunct="0">
+              <a:defRPr sz="2400">
+                <a:solidFill>
+                  <a:schemeClr val="tx1"/>
+                </a:solidFill>
+                <a:latin typeface="Times New Roman" pitchFamily="18" charset="0"/>
+              </a:defRPr>
+            </a:lvl1pPr>
+            <a:lvl2pPr marL="742950" indent="-285750" eaLnBrk="0" hangingPunct="0">
+              <a:defRPr sz="2400">
+                <a:solidFill>
+                  <a:schemeClr val="tx1"/>
+                </a:solidFill>
+                <a:latin typeface="Times New Roman" pitchFamily="18" charset="0"/>
+              </a:defRPr>
+            </a:lvl2pPr>
+            <a:lvl3pPr marL="1143000" indent="-228600" eaLnBrk="0" hangingPunct="0">
+              <a:defRPr sz="2400">
+                <a:solidFill>
+                  <a:schemeClr val="tx1"/>
+                </a:solidFill>
+                <a:latin typeface="Times New Roman" pitchFamily="18" charset="0"/>
+              </a:defRPr>
+            </a:lvl3pPr>
+            <a:lvl4pPr marL="1600200" indent="-228600" eaLnBrk="0" hangingPunct="0">
+              <a:defRPr sz="2400">
+                <a:solidFill>
+                  <a:schemeClr val="tx1"/>
+                </a:solidFill>
+                <a:latin typeface="Times New Roman" pitchFamily="18" charset="0"/>
+              </a:defRPr>
+            </a:lvl4pPr>
+            <a:lvl5pPr marL="2057400" indent="-228600" eaLnBrk="0" hangingPunct="0">
+              <a:defRPr sz="2400">
+                <a:solidFill>
+                  <a:schemeClr val="tx1"/>
+                </a:solidFill>
+                <a:latin typeface="Times New Roman" pitchFamily="18" charset="0"/>
+              </a:defRPr>
+            </a:lvl5pPr>
+            <a:lvl6pPr marL="2514600" indent="-228600" eaLnBrk="0" fontAlgn="base" hangingPunct="0">
+              <a:spcBef>
+                <a:spcPct val="0"/>
+              </a:spcBef>
+              <a:spcAft>
+                <a:spcPct val="0"/>
+              </a:spcAft>
+              <a:defRPr sz="2400">
+                <a:solidFill>
+                  <a:schemeClr val="tx1"/>
+                </a:solidFill>
+                <a:latin typeface="Times New Roman" pitchFamily="18" charset="0"/>
+              </a:defRPr>
+            </a:lvl6pPr>
+            <a:lvl7pPr marL="2971800" indent="-228600" eaLnBrk="0" fontAlgn="base" hangingPunct="0">
+              <a:spcBef>
+                <a:spcPct val="0"/>
+              </a:spcBef>
+              <a:spcAft>
+                <a:spcPct val="0"/>
+              </a:spcAft>
+              <a:defRPr sz="2400">
+                <a:solidFill>
+                  <a:schemeClr val="tx1"/>
+                </a:solidFill>
+                <a:latin typeface="Times New Roman" pitchFamily="18" charset="0"/>
+              </a:defRPr>
+            </a:lvl7pPr>
+            <a:lvl8pPr marL="3429000" indent="-228600" eaLnBrk="0" fontAlgn="base" hangingPunct="0">
+              <a:spcBef>
+                <a:spcPct val="0"/>
+              </a:spcBef>
+              <a:spcAft>
+                <a:spcPct val="0"/>
+              </a:spcAft>
+              <a:defRPr sz="2400">
+                <a:solidFill>
+                  <a:schemeClr val="tx1"/>
+                </a:solidFill>
+                <a:latin typeface="Times New Roman" pitchFamily="18" charset="0"/>
+              </a:defRPr>
+            </a:lvl8pPr>
+            <a:lvl9pPr marL="3886200" indent="-228600" eaLnBrk="0" fontAlgn="base" hangingPunct="0">
+              <a:spcBef>
+                <a:spcPct val="0"/>
+              </a:spcBef>
+              <a:spcAft>
+                <a:spcPct val="0"/>
+              </a:spcAft>
+              <a:defRPr sz="2400">
+                <a:solidFill>
+                  <a:schemeClr val="tx1"/>
+                </a:solidFill>
+                <a:latin typeface="Times New Roman" pitchFamily="18" charset="0"/>
+              </a:defRPr>
+            </a:lvl9pPr>
+          </a:lstStyle>
+          <a:p>
+            <a:pPr algn="just" eaLnBrk="1" hangingPunct="1">
+              <a:lnSpc>
+                <a:spcPts val="3363"/>
+              </a:lnSpc>
+            </a:pPr>
+            <a:r>
+              <a:rPr lang="es-MX" sz="1800" dirty="0">
+                <a:latin typeface="ZapfHumnst BT"/>
+              </a:rPr>
+              <a:t>El tiempo de transmisión es igual al inverso de la velocidad de transferencia ( </a:t>
+            </a:r>
+            <a:r>
+              <a:rPr lang="es-MX" sz="2800" dirty="0">
+                <a:latin typeface="ZapfHumnst BT"/>
+              </a:rPr>
+              <a:t>B</a:t>
+            </a:r>
+            <a:r>
+              <a:rPr lang="es-MX" sz="1800" dirty="0">
+                <a:latin typeface="ZapfHumnst BT"/>
+              </a:rPr>
+              <a:t> </a:t>
+            </a:r>
+            <a:r>
+              <a:rPr lang="es-MX" sz="1800" dirty="0" err="1">
+                <a:latin typeface="ZapfHumnst BT"/>
+              </a:rPr>
+              <a:t>tx</a:t>
+            </a:r>
+            <a:r>
+              <a:rPr lang="es-MX" sz="1800" dirty="0">
+                <a:latin typeface="ZapfHumnst BT"/>
+              </a:rPr>
+              <a:t> ).</a:t>
+            </a:r>
+            <a:endParaRPr lang="es-MX" sz="1800" b="1" dirty="0">
+              <a:latin typeface="ZapfHumnst BT"/>
+            </a:endParaRPr>
+          </a:p>
+        </p:txBody>
+      </p:sp>
+      <p:grpSp>
+        <p:nvGrpSpPr>
+          <p:cNvPr id="2" name="11 Grupo"/>
+          <p:cNvGrpSpPr>
+            <a:grpSpLocks/>
+          </p:cNvGrpSpPr>
+          <p:nvPr/>
+        </p:nvGrpSpPr>
+        <p:grpSpPr bwMode="auto">
+          <a:xfrm>
+            <a:off x="785813" y="2496503"/>
+            <a:ext cx="3529317" cy="1653478"/>
+            <a:chOff x="642910" y="2496529"/>
+            <a:chExt cx="3529342" cy="1901397"/>
+          </a:xfrm>
+        </p:grpSpPr>
+        <p:sp>
+          <p:nvSpPr>
+            <p:cNvPr id="28680" name="5 CuadroTexto"/>
+            <p:cNvSpPr txBox="1">
+              <a:spLocks noChangeArrowheads="1"/>
+            </p:cNvSpPr>
+            <p:nvPr/>
+          </p:nvSpPr>
+          <p:spPr bwMode="auto">
+            <a:xfrm>
+              <a:off x="642910" y="2714620"/>
+              <a:ext cx="1071570" cy="1002971"/>
+            </a:xfrm>
+            <a:prstGeom prst="rect">
+              <a:avLst/>
+            </a:prstGeom>
+            <a:noFill/>
+            <a:ln>
+              <a:noFill/>
+            </a:ln>
+            <a:extLst>
+              <a:ext uri="{909E8E84-426E-40DD-AFC4-6F175D3DCCD1}">
+                <a14:hiddenFill xmlns:a14="http://schemas.microsoft.com/office/drawing/2010/main">
+                  <a:solidFill>
+                    <a:srgbClr val="FFFFFF"/>
+                  </a:solidFill>
+                </a14:hiddenFill>
+              </a:ext>
+              <a:ext uri="{91240B29-F687-4F45-9708-019B960494DF}">
+                <a14:hiddenLine xmlns:a14="http://schemas.microsoft.com/office/drawing/2010/main" w="9525">
+                  <a:solidFill>
+                    <a:srgbClr val="000000"/>
+                  </a:solidFill>
+                  <a:miter lim="800000"/>
+                  <a:headEnd/>
+                  <a:tailEnd/>
+                </a14:hiddenLine>
+              </a:ext>
+            </a:extLst>
+          </p:spPr>
+          <p:txBody>
+            <a:bodyPr>
+              <a:spAutoFit/>
+            </a:bodyPr>
+            <a:lstStyle>
+              <a:lvl1pPr eaLnBrk="0" hangingPunct="0">
+                <a:defRPr sz="2400">
+                  <a:solidFill>
+                    <a:schemeClr val="tx1"/>
+                  </a:solidFill>
+                  <a:latin typeface="Times New Roman" pitchFamily="18" charset="0"/>
+                </a:defRPr>
+              </a:lvl1pPr>
+              <a:lvl2pPr marL="742950" indent="-285750" eaLnBrk="0" hangingPunct="0">
+                <a:defRPr sz="2400">
+                  <a:solidFill>
+                    <a:schemeClr val="tx1"/>
+                  </a:solidFill>
+                  <a:latin typeface="Times New Roman" pitchFamily="18" charset="0"/>
+                </a:defRPr>
+              </a:lvl2pPr>
+              <a:lvl3pPr marL="1143000" indent="-228600" eaLnBrk="0" hangingPunct="0">
+                <a:defRPr sz="2400">
+                  <a:solidFill>
+                    <a:schemeClr val="tx1"/>
+                  </a:solidFill>
+                  <a:latin typeface="Times New Roman" pitchFamily="18" charset="0"/>
+                </a:defRPr>
+              </a:lvl3pPr>
+              <a:lvl4pPr marL="1600200" indent="-228600" eaLnBrk="0" hangingPunct="0">
+                <a:defRPr sz="2400">
+                  <a:solidFill>
+                    <a:schemeClr val="tx1"/>
+                  </a:solidFill>
+                  <a:latin typeface="Times New Roman" pitchFamily="18" charset="0"/>
+                </a:defRPr>
+              </a:lvl4pPr>
+              <a:lvl5pPr marL="2057400" indent="-228600" eaLnBrk="0" hangingPunct="0">
+                <a:defRPr sz="2400">
+                  <a:solidFill>
+                    <a:schemeClr val="tx1"/>
+                  </a:solidFill>
+                  <a:latin typeface="Times New Roman" pitchFamily="18" charset="0"/>
+                </a:defRPr>
+              </a:lvl5pPr>
+              <a:lvl6pPr marL="2514600" indent="-228600" eaLnBrk="0" fontAlgn="base" hangingPunct="0">
+                <a:spcBef>
+                  <a:spcPct val="0"/>
+                </a:spcBef>
+                <a:spcAft>
+                  <a:spcPct val="0"/>
+                </a:spcAft>
+                <a:defRPr sz="2400">
+                  <a:solidFill>
+                    <a:schemeClr val="tx1"/>
+                  </a:solidFill>
+                  <a:latin typeface="Times New Roman" pitchFamily="18" charset="0"/>
+                </a:defRPr>
+              </a:lvl6pPr>
+              <a:lvl7pPr marL="2971800" indent="-228600" eaLnBrk="0" fontAlgn="base" hangingPunct="0">
+                <a:spcBef>
+                  <a:spcPct val="0"/>
+                </a:spcBef>
+                <a:spcAft>
+                  <a:spcPct val="0"/>
+                </a:spcAft>
+                <a:defRPr sz="2400">
+                  <a:solidFill>
+                    <a:schemeClr val="tx1"/>
+                  </a:solidFill>
+                  <a:latin typeface="Times New Roman" pitchFamily="18" charset="0"/>
+                </a:defRPr>
+              </a:lvl7pPr>
+              <a:lvl8pPr marL="3429000" indent="-228600" eaLnBrk="0" fontAlgn="base" hangingPunct="0">
+                <a:spcBef>
+                  <a:spcPct val="0"/>
+                </a:spcBef>
+                <a:spcAft>
+                  <a:spcPct val="0"/>
+                </a:spcAft>
+                <a:defRPr sz="2400">
+                  <a:solidFill>
+                    <a:schemeClr val="tx1"/>
+                  </a:solidFill>
+                  <a:latin typeface="Times New Roman" pitchFamily="18" charset="0"/>
+                </a:defRPr>
+              </a:lvl8pPr>
+              <a:lvl9pPr marL="3886200" indent="-228600" eaLnBrk="0" fontAlgn="base" hangingPunct="0">
+                <a:spcBef>
+                  <a:spcPct val="0"/>
+                </a:spcBef>
+                <a:spcAft>
+                  <a:spcPct val="0"/>
+                </a:spcAft>
+                <a:defRPr sz="2400">
+                  <a:solidFill>
+                    <a:schemeClr val="tx1"/>
+                  </a:solidFill>
+                  <a:latin typeface="Times New Roman" pitchFamily="18" charset="0"/>
+                </a:defRPr>
+              </a:lvl9pPr>
+            </a:lstStyle>
+            <a:p>
+              <a:pPr algn="just" eaLnBrk="1" hangingPunct="1">
+                <a:lnSpc>
+                  <a:spcPct val="150000"/>
+                </a:lnSpc>
+              </a:pPr>
+              <a:r>
+                <a:rPr lang="es-MX" sz="4400" dirty="0">
+                  <a:latin typeface="ZapfHumnst BT"/>
+                </a:rPr>
+                <a:t>t</a:t>
+              </a:r>
+              <a:r>
+                <a:rPr lang="es-MX" sz="1800" dirty="0">
+                  <a:latin typeface="ZapfHumnst BT"/>
+                </a:rPr>
+                <a:t> </a:t>
+              </a:r>
+              <a:r>
+                <a:rPr lang="es-MX" sz="1800" dirty="0" err="1">
+                  <a:latin typeface="ZapfHumnst BT"/>
+                </a:rPr>
+                <a:t>tx</a:t>
+              </a:r>
+              <a:r>
+                <a:rPr lang="es-MX" sz="1800" dirty="0">
+                  <a:latin typeface="ZapfHumnst BT"/>
+                </a:rPr>
+                <a:t>  =</a:t>
+              </a:r>
+              <a:endParaRPr lang="es-MX" sz="1800" b="1" dirty="0">
+                <a:latin typeface="ZapfHumnst BT"/>
+              </a:endParaRPr>
+            </a:p>
+          </p:txBody>
+        </p:sp>
+        <p:sp>
+          <p:nvSpPr>
+            <p:cNvPr id="28681" name="7 CuadroTexto"/>
+            <p:cNvSpPr txBox="1">
+              <a:spLocks noChangeArrowheads="1"/>
+            </p:cNvSpPr>
+            <p:nvPr/>
+          </p:nvSpPr>
+          <p:spPr bwMode="auto">
+            <a:xfrm>
+              <a:off x="1541785" y="2496529"/>
+              <a:ext cx="2630467" cy="754648"/>
+            </a:xfrm>
+            <a:prstGeom prst="rect">
+              <a:avLst/>
+            </a:prstGeom>
+            <a:noFill/>
+            <a:ln>
+              <a:noFill/>
+            </a:ln>
+            <a:extLst>
+              <a:ext uri="{909E8E84-426E-40DD-AFC4-6F175D3DCCD1}">
+                <a14:hiddenFill xmlns:a14="http://schemas.microsoft.com/office/drawing/2010/main">
+                  <a:solidFill>
+                    <a:srgbClr val="FFFFFF"/>
+                  </a:solidFill>
+                </a14:hiddenFill>
+              </a:ext>
+              <a:ext uri="{91240B29-F687-4F45-9708-019B960494DF}">
+                <a14:hiddenLine xmlns:a14="http://schemas.microsoft.com/office/drawing/2010/main" w="9525">
+                  <a:solidFill>
+                    <a:srgbClr val="000000"/>
+                  </a:solidFill>
+                  <a:miter lim="800000"/>
+                  <a:headEnd/>
+                  <a:tailEnd/>
+                </a14:hiddenLine>
+              </a:ext>
+            </a:extLst>
+          </p:spPr>
+          <p:txBody>
+            <a:bodyPr wrap="square">
+              <a:spAutoFit/>
+            </a:bodyPr>
+            <a:lstStyle>
+              <a:lvl1pPr eaLnBrk="0" hangingPunct="0">
+                <a:defRPr sz="2400">
+                  <a:solidFill>
+                    <a:schemeClr val="tx1"/>
+                  </a:solidFill>
+                  <a:latin typeface="Times New Roman" pitchFamily="18" charset="0"/>
+                </a:defRPr>
+              </a:lvl1pPr>
+              <a:lvl2pPr marL="742950" indent="-285750" eaLnBrk="0" hangingPunct="0">
+                <a:defRPr sz="2400">
+                  <a:solidFill>
+                    <a:schemeClr val="tx1"/>
+                  </a:solidFill>
+                  <a:latin typeface="Times New Roman" pitchFamily="18" charset="0"/>
+                </a:defRPr>
+              </a:lvl2pPr>
+              <a:lvl3pPr marL="1143000" indent="-228600" eaLnBrk="0" hangingPunct="0">
+                <a:defRPr sz="2400">
+                  <a:solidFill>
+                    <a:schemeClr val="tx1"/>
+                  </a:solidFill>
+                  <a:latin typeface="Times New Roman" pitchFamily="18" charset="0"/>
+                </a:defRPr>
+              </a:lvl3pPr>
+              <a:lvl4pPr marL="1600200" indent="-228600" eaLnBrk="0" hangingPunct="0">
+                <a:defRPr sz="2400">
+                  <a:solidFill>
+                    <a:schemeClr val="tx1"/>
+                  </a:solidFill>
+                  <a:latin typeface="Times New Roman" pitchFamily="18" charset="0"/>
+                </a:defRPr>
+              </a:lvl4pPr>
+              <a:lvl5pPr marL="2057400" indent="-228600" eaLnBrk="0" hangingPunct="0">
+                <a:defRPr sz="2400">
+                  <a:solidFill>
+                    <a:schemeClr val="tx1"/>
+                  </a:solidFill>
+                  <a:latin typeface="Times New Roman" pitchFamily="18" charset="0"/>
+                </a:defRPr>
+              </a:lvl5pPr>
+              <a:lvl6pPr marL="2514600" indent="-228600" eaLnBrk="0" fontAlgn="base" hangingPunct="0">
+                <a:spcBef>
+                  <a:spcPct val="0"/>
+                </a:spcBef>
+                <a:spcAft>
+                  <a:spcPct val="0"/>
+                </a:spcAft>
+                <a:defRPr sz="2400">
+                  <a:solidFill>
+                    <a:schemeClr val="tx1"/>
+                  </a:solidFill>
+                  <a:latin typeface="Times New Roman" pitchFamily="18" charset="0"/>
+                </a:defRPr>
+              </a:lvl6pPr>
+              <a:lvl7pPr marL="2971800" indent="-228600" eaLnBrk="0" fontAlgn="base" hangingPunct="0">
+                <a:spcBef>
+                  <a:spcPct val="0"/>
+                </a:spcBef>
+                <a:spcAft>
+                  <a:spcPct val="0"/>
+                </a:spcAft>
+                <a:defRPr sz="2400">
+                  <a:solidFill>
+                    <a:schemeClr val="tx1"/>
+                  </a:solidFill>
+                  <a:latin typeface="Times New Roman" pitchFamily="18" charset="0"/>
+                </a:defRPr>
+              </a:lvl7pPr>
+              <a:lvl8pPr marL="3429000" indent="-228600" eaLnBrk="0" fontAlgn="base" hangingPunct="0">
+                <a:spcBef>
+                  <a:spcPct val="0"/>
+                </a:spcBef>
+                <a:spcAft>
+                  <a:spcPct val="0"/>
+                </a:spcAft>
+                <a:defRPr sz="2400">
+                  <a:solidFill>
+                    <a:schemeClr val="tx1"/>
+                  </a:solidFill>
+                  <a:latin typeface="Times New Roman" pitchFamily="18" charset="0"/>
+                </a:defRPr>
+              </a:lvl8pPr>
+              <a:lvl9pPr marL="3886200" indent="-228600" eaLnBrk="0" fontAlgn="base" hangingPunct="0">
+                <a:spcBef>
+                  <a:spcPct val="0"/>
+                </a:spcBef>
+                <a:spcAft>
+                  <a:spcPct val="0"/>
+                </a:spcAft>
+                <a:defRPr sz="2400">
+                  <a:solidFill>
+                    <a:schemeClr val="tx1"/>
+                  </a:solidFill>
+                  <a:latin typeface="Times New Roman" pitchFamily="18" charset="0"/>
+                </a:defRPr>
+              </a:lvl9pPr>
+            </a:lstStyle>
+            <a:p>
+              <a:pPr algn="just" eaLnBrk="1" hangingPunct="1">
+                <a:lnSpc>
+                  <a:spcPct val="150000"/>
+                </a:lnSpc>
+              </a:pPr>
+              <a:r>
+                <a:rPr lang="es-MX" sz="3200" dirty="0">
+                  <a:latin typeface="ZapfHumnst BT"/>
+                </a:rPr>
+                <a:t># bits / #bytes</a:t>
+              </a:r>
+            </a:p>
+          </p:txBody>
+        </p:sp>
+        <p:cxnSp>
+          <p:nvCxnSpPr>
+            <p:cNvPr id="28682" name="9 Conector recto"/>
+            <p:cNvCxnSpPr>
+              <a:cxnSpLocks noChangeShapeType="1"/>
+            </p:cNvCxnSpPr>
+            <p:nvPr/>
+          </p:nvCxnSpPr>
+          <p:spPr bwMode="auto">
+            <a:xfrm>
+              <a:off x="1541785" y="3566790"/>
+              <a:ext cx="2497478" cy="0"/>
+            </a:xfrm>
+            <a:prstGeom prst="line">
+              <a:avLst/>
+            </a:prstGeom>
+            <a:noFill/>
+            <a:ln w="38100" algn="ctr">
+              <a:solidFill>
+                <a:schemeClr val="tx1"/>
+              </a:solidFill>
+              <a:round/>
+              <a:headEnd/>
+              <a:tailEnd/>
+            </a:ln>
+            <a:extLst>
+              <a:ext uri="{909E8E84-426E-40DD-AFC4-6F175D3DCCD1}">
+                <a14:hiddenFill xmlns:a14="http://schemas.microsoft.com/office/drawing/2010/main">
+                  <a:noFill/>
+                </a14:hiddenFill>
+              </a:ext>
+            </a:extLst>
+          </p:spPr>
+        </p:cxnSp>
+        <p:sp>
+          <p:nvSpPr>
+            <p:cNvPr id="28683" name="10 CuadroTexto"/>
+            <p:cNvSpPr txBox="1">
+              <a:spLocks noChangeArrowheads="1"/>
+            </p:cNvSpPr>
+            <p:nvPr/>
+          </p:nvSpPr>
+          <p:spPr bwMode="auto">
+            <a:xfrm>
+              <a:off x="2412886" y="3434884"/>
+              <a:ext cx="864102" cy="963042"/>
+            </a:xfrm>
+            <a:prstGeom prst="rect">
+              <a:avLst/>
+            </a:prstGeom>
+            <a:noFill/>
+            <a:ln>
+              <a:noFill/>
+            </a:ln>
+            <a:extLst>
+              <a:ext uri="{909E8E84-426E-40DD-AFC4-6F175D3DCCD1}">
+                <a14:hiddenFill xmlns:a14="http://schemas.microsoft.com/office/drawing/2010/main">
+                  <a:solidFill>
+                    <a:srgbClr val="FFFFFF"/>
+                  </a:solidFill>
+                </a14:hiddenFill>
+              </a:ext>
+              <a:ext uri="{91240B29-F687-4F45-9708-019B960494DF}">
+                <a14:hiddenLine xmlns:a14="http://schemas.microsoft.com/office/drawing/2010/main" w="9525">
+                  <a:solidFill>
+                    <a:srgbClr val="000000"/>
+                  </a:solidFill>
+                  <a:miter lim="800000"/>
+                  <a:headEnd/>
+                  <a:tailEnd/>
+                </a14:hiddenLine>
+              </a:ext>
+            </a:extLst>
+          </p:spPr>
+          <p:txBody>
+            <a:bodyPr wrap="square">
+              <a:spAutoFit/>
+            </a:bodyPr>
+            <a:lstStyle>
+              <a:lvl1pPr eaLnBrk="0" hangingPunct="0">
+                <a:defRPr sz="2400">
+                  <a:solidFill>
+                    <a:schemeClr val="tx1"/>
+                  </a:solidFill>
+                  <a:latin typeface="Times New Roman" pitchFamily="18" charset="0"/>
+                </a:defRPr>
+              </a:lvl1pPr>
+              <a:lvl2pPr marL="742950" indent="-285750" eaLnBrk="0" hangingPunct="0">
+                <a:defRPr sz="2400">
+                  <a:solidFill>
+                    <a:schemeClr val="tx1"/>
+                  </a:solidFill>
+                  <a:latin typeface="Times New Roman" pitchFamily="18" charset="0"/>
+                </a:defRPr>
+              </a:lvl2pPr>
+              <a:lvl3pPr marL="1143000" indent="-228600" eaLnBrk="0" hangingPunct="0">
+                <a:defRPr sz="2400">
+                  <a:solidFill>
+                    <a:schemeClr val="tx1"/>
+                  </a:solidFill>
+                  <a:latin typeface="Times New Roman" pitchFamily="18" charset="0"/>
+                </a:defRPr>
+              </a:lvl3pPr>
+              <a:lvl4pPr marL="1600200" indent="-228600" eaLnBrk="0" hangingPunct="0">
+                <a:defRPr sz="2400">
+                  <a:solidFill>
+                    <a:schemeClr val="tx1"/>
+                  </a:solidFill>
+                  <a:latin typeface="Times New Roman" pitchFamily="18" charset="0"/>
+                </a:defRPr>
+              </a:lvl4pPr>
+              <a:lvl5pPr marL="2057400" indent="-228600" eaLnBrk="0" hangingPunct="0">
+                <a:defRPr sz="2400">
+                  <a:solidFill>
+                    <a:schemeClr val="tx1"/>
+                  </a:solidFill>
+                  <a:latin typeface="Times New Roman" pitchFamily="18" charset="0"/>
+                </a:defRPr>
+              </a:lvl5pPr>
+              <a:lvl6pPr marL="2514600" indent="-228600" eaLnBrk="0" fontAlgn="base" hangingPunct="0">
+                <a:spcBef>
+                  <a:spcPct val="0"/>
+                </a:spcBef>
+                <a:spcAft>
+                  <a:spcPct val="0"/>
+                </a:spcAft>
+                <a:defRPr sz="2400">
+                  <a:solidFill>
+                    <a:schemeClr val="tx1"/>
+                  </a:solidFill>
+                  <a:latin typeface="Times New Roman" pitchFamily="18" charset="0"/>
+                </a:defRPr>
+              </a:lvl6pPr>
+              <a:lvl7pPr marL="2971800" indent="-228600" eaLnBrk="0" fontAlgn="base" hangingPunct="0">
+                <a:spcBef>
+                  <a:spcPct val="0"/>
+                </a:spcBef>
+                <a:spcAft>
+                  <a:spcPct val="0"/>
+                </a:spcAft>
+                <a:defRPr sz="2400">
+                  <a:solidFill>
+                    <a:schemeClr val="tx1"/>
+                  </a:solidFill>
+                  <a:latin typeface="Times New Roman" pitchFamily="18" charset="0"/>
+                </a:defRPr>
+              </a:lvl7pPr>
+              <a:lvl8pPr marL="3429000" indent="-228600" eaLnBrk="0" fontAlgn="base" hangingPunct="0">
+                <a:spcBef>
+                  <a:spcPct val="0"/>
+                </a:spcBef>
+                <a:spcAft>
+                  <a:spcPct val="0"/>
+                </a:spcAft>
+                <a:defRPr sz="2400">
+                  <a:solidFill>
+                    <a:schemeClr val="tx1"/>
+                  </a:solidFill>
+                  <a:latin typeface="Times New Roman" pitchFamily="18" charset="0"/>
+                </a:defRPr>
+              </a:lvl8pPr>
+              <a:lvl9pPr marL="3886200" indent="-228600" eaLnBrk="0" fontAlgn="base" hangingPunct="0">
+                <a:spcBef>
+                  <a:spcPct val="0"/>
+                </a:spcBef>
+                <a:spcAft>
+                  <a:spcPct val="0"/>
+                </a:spcAft>
+                <a:defRPr sz="2400">
+                  <a:solidFill>
+                    <a:schemeClr val="tx1"/>
+                  </a:solidFill>
+                  <a:latin typeface="Times New Roman" pitchFamily="18" charset="0"/>
+                </a:defRPr>
+              </a:lvl9pPr>
+            </a:lstStyle>
+            <a:p>
+              <a:pPr algn="just" eaLnBrk="1" hangingPunct="1">
+                <a:lnSpc>
+                  <a:spcPct val="150000"/>
+                </a:lnSpc>
+              </a:pPr>
+              <a:r>
+                <a:rPr lang="es-MX" sz="3600" dirty="0">
+                  <a:latin typeface="ZapfHumnst BT"/>
+                </a:rPr>
+                <a:t>B</a:t>
+              </a:r>
+              <a:r>
+                <a:rPr lang="es-MX" sz="1800" dirty="0">
+                  <a:latin typeface="ZapfHumnst BT"/>
+                </a:rPr>
+                <a:t> </a:t>
+              </a:r>
+              <a:r>
+                <a:rPr lang="es-MX" sz="1800" dirty="0" err="1">
+                  <a:latin typeface="ZapfHumnst BT"/>
+                </a:rPr>
+                <a:t>tx</a:t>
+              </a:r>
+              <a:endParaRPr lang="es-MX" sz="1800" b="1" dirty="0">
+                <a:latin typeface="ZapfHumnst BT"/>
+              </a:endParaRPr>
+            </a:p>
+          </p:txBody>
+        </p:sp>
+      </p:grpSp>
+      <p:sp>
+        <p:nvSpPr>
+          <p:cNvPr id="32775" name="12 CuadroTexto"/>
+          <p:cNvSpPr txBox="1">
+            <a:spLocks noChangeArrowheads="1"/>
+          </p:cNvSpPr>
+          <p:nvPr/>
+        </p:nvSpPr>
+        <p:spPr bwMode="auto">
+          <a:xfrm>
+            <a:off x="770600" y="4509120"/>
+            <a:ext cx="4178524" cy="1345497"/>
+          </a:xfrm>
+          <a:prstGeom prst="rect">
+            <a:avLst/>
+          </a:prstGeom>
+          <a:noFill/>
+          <a:ln>
+            <a:noFill/>
+          </a:ln>
+          <a:extLst>
+            <a:ext uri="{909E8E84-426E-40DD-AFC4-6F175D3DCCD1}">
+              <a14:hiddenFill xmlns:a14="http://schemas.microsoft.com/office/drawing/2010/main">
+                <a:solidFill>
+                  <a:srgbClr val="FFFFFF"/>
+                </a:solidFill>
+              </a14:hiddenFill>
+            </a:ext>
+            <a:ext uri="{91240B29-F687-4F45-9708-019B960494DF}">
+              <a14:hiddenLine xmlns:a14="http://schemas.microsoft.com/office/drawing/2010/main" w="9525">
+                <a:solidFill>
+                  <a:srgbClr val="000000"/>
+                </a:solidFill>
+                <a:miter lim="800000"/>
+                <a:headEnd/>
+                <a:tailEnd/>
+              </a14:hiddenLine>
+            </a:ext>
+          </a:extLst>
+        </p:spPr>
+        <p:txBody>
+          <a:bodyPr wrap="square">
+            <a:spAutoFit/>
+          </a:bodyPr>
+          <a:lstStyle>
+            <a:lvl1pPr eaLnBrk="0" hangingPunct="0">
+              <a:defRPr sz="2400">
+                <a:solidFill>
+                  <a:schemeClr val="tx1"/>
+                </a:solidFill>
+                <a:latin typeface="Times New Roman" pitchFamily="18" charset="0"/>
+              </a:defRPr>
+            </a:lvl1pPr>
+            <a:lvl2pPr marL="742950" indent="-285750" eaLnBrk="0" hangingPunct="0">
+              <a:defRPr sz="2400">
+                <a:solidFill>
+                  <a:schemeClr val="tx1"/>
+                </a:solidFill>
+                <a:latin typeface="Times New Roman" pitchFamily="18" charset="0"/>
+              </a:defRPr>
+            </a:lvl2pPr>
+            <a:lvl3pPr marL="1143000" indent="-228600" eaLnBrk="0" hangingPunct="0">
+              <a:defRPr sz="2400">
+                <a:solidFill>
+                  <a:schemeClr val="tx1"/>
+                </a:solidFill>
+                <a:latin typeface="Times New Roman" pitchFamily="18" charset="0"/>
+              </a:defRPr>
+            </a:lvl3pPr>
+            <a:lvl4pPr marL="1600200" indent="-228600" eaLnBrk="0" hangingPunct="0">
+              <a:defRPr sz="2400">
+                <a:solidFill>
+                  <a:schemeClr val="tx1"/>
+                </a:solidFill>
+                <a:latin typeface="Times New Roman" pitchFamily="18" charset="0"/>
+              </a:defRPr>
+            </a:lvl4pPr>
+            <a:lvl5pPr marL="2057400" indent="-228600" eaLnBrk="0" hangingPunct="0">
+              <a:defRPr sz="2400">
+                <a:solidFill>
+                  <a:schemeClr val="tx1"/>
+                </a:solidFill>
+                <a:latin typeface="Times New Roman" pitchFamily="18" charset="0"/>
+              </a:defRPr>
+            </a:lvl5pPr>
+            <a:lvl6pPr marL="2514600" indent="-228600" eaLnBrk="0" fontAlgn="base" hangingPunct="0">
+              <a:spcBef>
+                <a:spcPct val="0"/>
+              </a:spcBef>
+              <a:spcAft>
+                <a:spcPct val="0"/>
+              </a:spcAft>
+              <a:defRPr sz="2400">
+                <a:solidFill>
+                  <a:schemeClr val="tx1"/>
+                </a:solidFill>
+                <a:latin typeface="Times New Roman" pitchFamily="18" charset="0"/>
+              </a:defRPr>
+            </a:lvl6pPr>
+            <a:lvl7pPr marL="2971800" indent="-228600" eaLnBrk="0" fontAlgn="base" hangingPunct="0">
+              <a:spcBef>
+                <a:spcPct val="0"/>
+              </a:spcBef>
+              <a:spcAft>
+                <a:spcPct val="0"/>
+              </a:spcAft>
+              <a:defRPr sz="2400">
+                <a:solidFill>
+                  <a:schemeClr val="tx1"/>
+                </a:solidFill>
+                <a:latin typeface="Times New Roman" pitchFamily="18" charset="0"/>
+              </a:defRPr>
+            </a:lvl7pPr>
+            <a:lvl8pPr marL="3429000" indent="-228600" eaLnBrk="0" fontAlgn="base" hangingPunct="0">
+              <a:spcBef>
+                <a:spcPct val="0"/>
+              </a:spcBef>
+              <a:spcAft>
+                <a:spcPct val="0"/>
+              </a:spcAft>
+              <a:defRPr sz="2400">
+                <a:solidFill>
+                  <a:schemeClr val="tx1"/>
+                </a:solidFill>
+                <a:latin typeface="Times New Roman" pitchFamily="18" charset="0"/>
+              </a:defRPr>
+            </a:lvl8pPr>
+            <a:lvl9pPr marL="3886200" indent="-228600" eaLnBrk="0" fontAlgn="base" hangingPunct="0">
+              <a:spcBef>
+                <a:spcPct val="0"/>
+              </a:spcBef>
+              <a:spcAft>
+                <a:spcPct val="0"/>
+              </a:spcAft>
+              <a:defRPr sz="2400">
+                <a:solidFill>
+                  <a:schemeClr val="tx1"/>
+                </a:solidFill>
+                <a:latin typeface="Times New Roman" pitchFamily="18" charset="0"/>
+              </a:defRPr>
+            </a:lvl9pPr>
+          </a:lstStyle>
+          <a:p>
+            <a:pPr algn="just" eaLnBrk="1" hangingPunct="1">
+              <a:lnSpc>
+                <a:spcPts val="3363"/>
+              </a:lnSpc>
+            </a:pPr>
+            <a:r>
+              <a:rPr lang="es-MX" sz="1800" dirty="0">
+                <a:latin typeface="ZapfHumnst BT"/>
+              </a:rPr>
+              <a:t>Si hablamos de :</a:t>
+            </a:r>
+          </a:p>
+          <a:p>
+            <a:pPr algn="just" eaLnBrk="1" hangingPunct="1">
+              <a:lnSpc>
+                <a:spcPts val="3363"/>
+              </a:lnSpc>
+              <a:buFont typeface="Arial" pitchFamily="34" charset="0"/>
+              <a:buChar char="•"/>
+            </a:pPr>
+            <a:r>
+              <a:rPr lang="es-MX" sz="1600" b="1" dirty="0">
+                <a:solidFill>
+                  <a:schemeClr val="tx2">
+                    <a:lumMod val="60000"/>
+                    <a:lumOff val="40000"/>
+                  </a:schemeClr>
+                </a:solidFill>
+                <a:latin typeface="ZapfHumnst BT"/>
+              </a:rPr>
+              <a:t>  Información:</a:t>
+            </a:r>
+            <a:r>
+              <a:rPr lang="es-MX" sz="1600" dirty="0">
+                <a:latin typeface="ZapfHumnst BT"/>
+              </a:rPr>
+              <a:t> 1 kbit = 2</a:t>
+            </a:r>
+            <a:r>
+              <a:rPr lang="es-MX" sz="1600" baseline="30000" dirty="0">
+                <a:latin typeface="ZapfHumnst BT"/>
+              </a:rPr>
+              <a:t>10</a:t>
+            </a:r>
+            <a:r>
+              <a:rPr lang="es-MX" sz="1600" dirty="0">
+                <a:latin typeface="ZapfHumnst BT"/>
+              </a:rPr>
+              <a:t> bits = 1024 bits</a:t>
+            </a:r>
+          </a:p>
+          <a:p>
+            <a:pPr algn="just" eaLnBrk="1" hangingPunct="1">
+              <a:lnSpc>
+                <a:spcPts val="3363"/>
+              </a:lnSpc>
+              <a:buFont typeface="Arial" pitchFamily="34" charset="0"/>
+              <a:buChar char="•"/>
+            </a:pPr>
+            <a:r>
+              <a:rPr lang="es-MX" sz="1600" b="1" dirty="0">
+                <a:solidFill>
+                  <a:schemeClr val="accent5">
+                    <a:lumMod val="75000"/>
+                  </a:schemeClr>
+                </a:solidFill>
+                <a:latin typeface="ZapfHumnst BT"/>
+              </a:rPr>
+              <a:t>  </a:t>
+            </a:r>
+            <a:r>
+              <a:rPr lang="es-MX" sz="1600" b="1" dirty="0">
+                <a:solidFill>
+                  <a:schemeClr val="tx2">
+                    <a:lumMod val="60000"/>
+                    <a:lumOff val="40000"/>
+                  </a:schemeClr>
+                </a:solidFill>
+                <a:latin typeface="ZapfHumnst BT"/>
+              </a:rPr>
+              <a:t>Velocidad:</a:t>
+            </a:r>
+            <a:r>
+              <a:rPr lang="es-MX" sz="1600" b="1" dirty="0">
+                <a:solidFill>
+                  <a:schemeClr val="accent5">
+                    <a:lumMod val="75000"/>
+                  </a:schemeClr>
+                </a:solidFill>
+                <a:latin typeface="ZapfHumnst BT"/>
+              </a:rPr>
+              <a:t> </a:t>
+            </a:r>
+            <a:r>
+              <a:rPr lang="es-MX" sz="1600" dirty="0">
+                <a:latin typeface="ZapfHumnst BT"/>
+              </a:rPr>
+              <a:t>1kbit = 10</a:t>
+            </a:r>
+            <a:r>
+              <a:rPr lang="es-MX" sz="1600" baseline="30000" dirty="0">
+                <a:latin typeface="ZapfHumnst BT"/>
+              </a:rPr>
+              <a:t>3</a:t>
+            </a:r>
+            <a:r>
+              <a:rPr lang="es-MX" sz="1600" dirty="0">
+                <a:latin typeface="ZapfHumnst BT"/>
+              </a:rPr>
+              <a:t> bits = 1000 bits</a:t>
+            </a:r>
+          </a:p>
+        </p:txBody>
+      </p:sp>
+      <p:sp>
+        <p:nvSpPr>
+          <p:cNvPr id="12" name="Rectangle 2"/>
+          <p:cNvSpPr txBox="1">
+            <a:spLocks noChangeArrowheads="1"/>
+          </p:cNvSpPr>
+          <p:nvPr/>
+        </p:nvSpPr>
+        <p:spPr>
+          <a:xfrm>
+            <a:off x="107504" y="-27384"/>
+            <a:ext cx="8964488" cy="1143000"/>
+          </a:xfrm>
+          <a:prstGeom prst="rect">
+            <a:avLst/>
+          </a:prstGeom>
+        </p:spPr>
+        <p:txBody>
+          <a:bodyPr vert="horz" lIns="92075" tIns="46038" rIns="92075" bIns="46038" rtlCol="0" anchor="ctr">
+            <a:noAutofit/>
+          </a:bodyPr>
+          <a:lstStyle>
+            <a:lvl1pPr algn="ctr" defTabSz="914400" rtl="0" eaLnBrk="1" latinLnBrk="0" hangingPunct="1">
+              <a:spcBef>
+                <a:spcPct val="0"/>
+              </a:spcBef>
+              <a:buNone/>
+              <a:defRPr sz="4400" kern="1200">
+                <a:solidFill>
+                  <a:schemeClr val="tx1"/>
+                </a:solidFill>
+                <a:latin typeface="+mj-lt"/>
+                <a:ea typeface="+mj-ea"/>
+                <a:cs typeface="+mj-cs"/>
+              </a:defRPr>
+            </a:lvl1pPr>
+          </a:lstStyle>
+          <a:p>
+            <a:pPr>
+              <a:defRPr/>
+            </a:pPr>
+            <a:r>
+              <a:rPr lang="es-ES_tradnl" sz="3200" dirty="0">
+                <a:solidFill>
+                  <a:srgbClr val="3333CC"/>
+                </a:solidFill>
+                <a:effectLst>
+                  <a:outerShdw blurRad="38100" dist="38100" dir="2700000" algn="tl">
+                    <a:srgbClr val="C0C0C0"/>
+                  </a:outerShdw>
+                </a:effectLst>
+                <a:latin typeface="Dom Casual" charset="0"/>
+              </a:rPr>
+              <a:t> </a:t>
+            </a:r>
+            <a:r>
+              <a:rPr lang="es-ES_tradnl" sz="3200" b="1" dirty="0">
+                <a:solidFill>
+                  <a:schemeClr val="accent4">
+                    <a:lumMod val="50000"/>
+                  </a:schemeClr>
+                </a:solidFill>
+                <a:effectLst>
+                  <a:outerShdw blurRad="38100" dist="38100" dir="2700000" algn="tl">
+                    <a:srgbClr val="C0C0C0"/>
+                  </a:outerShdw>
+                </a:effectLst>
+                <a:latin typeface="Dom Casual" charset="0"/>
+              </a:rPr>
+              <a:t>Tiempo de transmisión</a:t>
+            </a:r>
+          </a:p>
+        </p:txBody>
+      </p:sp>
+      <p:sp>
+        <p:nvSpPr>
+          <p:cNvPr id="14" name="12 CuadroTexto">
+            <a:extLst>
+              <a:ext uri="{FF2B5EF4-FFF2-40B4-BE49-F238E27FC236}">
+                <a16:creationId xmlns:a16="http://schemas.microsoft.com/office/drawing/2014/main" id="{BEAA38EC-54C2-464E-8047-D6880E096E6B}"/>
+              </a:ext>
+            </a:extLst>
+          </p:cNvPr>
+          <p:cNvSpPr txBox="1">
+            <a:spLocks noChangeArrowheads="1"/>
+          </p:cNvSpPr>
+          <p:nvPr/>
+        </p:nvSpPr>
+        <p:spPr bwMode="auto">
+          <a:xfrm>
+            <a:off x="5580112" y="3327670"/>
+            <a:ext cx="2497460" cy="473463"/>
+          </a:xfrm>
+          <a:prstGeom prst="rect">
+            <a:avLst/>
+          </a:prstGeom>
+          <a:noFill/>
+          <a:ln>
+            <a:noFill/>
+          </a:ln>
+          <a:extLst>
+            <a:ext uri="{909E8E84-426E-40DD-AFC4-6F175D3DCCD1}">
+              <a14:hiddenFill xmlns:a14="http://schemas.microsoft.com/office/drawing/2010/main">
+                <a:solidFill>
+                  <a:srgbClr val="FFFFFF"/>
+                </a:solidFill>
+              </a14:hiddenFill>
+            </a:ext>
+            <a:ext uri="{91240B29-F687-4F45-9708-019B960494DF}">
+              <a14:hiddenLine xmlns:a14="http://schemas.microsoft.com/office/drawing/2010/main" w="9525">
+                <a:solidFill>
+                  <a:srgbClr val="000000"/>
+                </a:solidFill>
+                <a:miter lim="800000"/>
+                <a:headEnd/>
+                <a:tailEnd/>
+              </a14:hiddenLine>
+            </a:ext>
+          </a:extLst>
+        </p:spPr>
+        <p:txBody>
+          <a:bodyPr wrap="square">
+            <a:spAutoFit/>
+          </a:bodyPr>
+          <a:lstStyle>
+            <a:lvl1pPr eaLnBrk="0" hangingPunct="0">
+              <a:defRPr sz="2400">
+                <a:solidFill>
+                  <a:schemeClr val="tx1"/>
+                </a:solidFill>
+                <a:latin typeface="Times New Roman" pitchFamily="18" charset="0"/>
+              </a:defRPr>
+            </a:lvl1pPr>
+            <a:lvl2pPr marL="742950" indent="-285750" eaLnBrk="0" hangingPunct="0">
+              <a:defRPr sz="2400">
+                <a:solidFill>
+                  <a:schemeClr val="tx1"/>
+                </a:solidFill>
+                <a:latin typeface="Times New Roman" pitchFamily="18" charset="0"/>
+              </a:defRPr>
+            </a:lvl2pPr>
+            <a:lvl3pPr marL="1143000" indent="-228600" eaLnBrk="0" hangingPunct="0">
+              <a:defRPr sz="2400">
+                <a:solidFill>
+                  <a:schemeClr val="tx1"/>
+                </a:solidFill>
+                <a:latin typeface="Times New Roman" pitchFamily="18" charset="0"/>
+              </a:defRPr>
+            </a:lvl3pPr>
+            <a:lvl4pPr marL="1600200" indent="-228600" eaLnBrk="0" hangingPunct="0">
+              <a:defRPr sz="2400">
+                <a:solidFill>
+                  <a:schemeClr val="tx1"/>
+                </a:solidFill>
+                <a:latin typeface="Times New Roman" pitchFamily="18" charset="0"/>
+              </a:defRPr>
+            </a:lvl4pPr>
+            <a:lvl5pPr marL="2057400" indent="-228600" eaLnBrk="0" hangingPunct="0">
+              <a:defRPr sz="2400">
+                <a:solidFill>
+                  <a:schemeClr val="tx1"/>
+                </a:solidFill>
+                <a:latin typeface="Times New Roman" pitchFamily="18" charset="0"/>
+              </a:defRPr>
+            </a:lvl5pPr>
+            <a:lvl6pPr marL="2514600" indent="-228600" eaLnBrk="0" fontAlgn="base" hangingPunct="0">
+              <a:spcBef>
+                <a:spcPct val="0"/>
+              </a:spcBef>
+              <a:spcAft>
+                <a:spcPct val="0"/>
+              </a:spcAft>
+              <a:defRPr sz="2400">
+                <a:solidFill>
+                  <a:schemeClr val="tx1"/>
+                </a:solidFill>
+                <a:latin typeface="Times New Roman" pitchFamily="18" charset="0"/>
+              </a:defRPr>
+            </a:lvl6pPr>
+            <a:lvl7pPr marL="2971800" indent="-228600" eaLnBrk="0" fontAlgn="base" hangingPunct="0">
+              <a:spcBef>
+                <a:spcPct val="0"/>
+              </a:spcBef>
+              <a:spcAft>
+                <a:spcPct val="0"/>
+              </a:spcAft>
+              <a:defRPr sz="2400">
+                <a:solidFill>
+                  <a:schemeClr val="tx1"/>
+                </a:solidFill>
+                <a:latin typeface="Times New Roman" pitchFamily="18" charset="0"/>
+              </a:defRPr>
+            </a:lvl7pPr>
+            <a:lvl8pPr marL="3429000" indent="-228600" eaLnBrk="0" fontAlgn="base" hangingPunct="0">
+              <a:spcBef>
+                <a:spcPct val="0"/>
+              </a:spcBef>
+              <a:spcAft>
+                <a:spcPct val="0"/>
+              </a:spcAft>
+              <a:defRPr sz="2400">
+                <a:solidFill>
+                  <a:schemeClr val="tx1"/>
+                </a:solidFill>
+                <a:latin typeface="Times New Roman" pitchFamily="18" charset="0"/>
+              </a:defRPr>
+            </a:lvl8pPr>
+            <a:lvl9pPr marL="3886200" indent="-228600" eaLnBrk="0" fontAlgn="base" hangingPunct="0">
+              <a:spcBef>
+                <a:spcPct val="0"/>
+              </a:spcBef>
+              <a:spcAft>
+                <a:spcPct val="0"/>
+              </a:spcAft>
+              <a:defRPr sz="2400">
+                <a:solidFill>
+                  <a:schemeClr val="tx1"/>
+                </a:solidFill>
+                <a:latin typeface="Times New Roman" pitchFamily="18" charset="0"/>
+              </a:defRPr>
+            </a:lvl9pPr>
+          </a:lstStyle>
+          <a:p>
+            <a:pPr algn="ctr" eaLnBrk="1" hangingPunct="1">
+              <a:lnSpc>
+                <a:spcPts val="3363"/>
+              </a:lnSpc>
+            </a:pPr>
+            <a:r>
+              <a:rPr lang="es-MX" sz="1600" b="1" dirty="0">
+                <a:solidFill>
+                  <a:srgbClr val="FF0000"/>
+                </a:solidFill>
+                <a:latin typeface="ZapfHumnst BT"/>
+              </a:rPr>
+              <a:t>1 Megabyte = 8 Megabits</a:t>
+            </a:r>
+          </a:p>
+        </p:txBody>
+      </p:sp>
+    </p:spTree>
+    <p:extLst>
+      <p:ext uri="{BB962C8B-B14F-4D97-AF65-F5344CB8AC3E}">
+        <p14:creationId xmlns:p14="http://schemas.microsoft.com/office/powerpoint/2010/main" val="2641096620"/>
+      </p:ext>
+    </p:extLst>
+  </p:cSld>
+  <p:clrMapOvr>
+    <a:masterClrMapping/>
+  </p:clrMapOvr>
+  <p:timing>
+    <p:tnLst>
+      <p:par>
+        <p:cTn id="1" dur="indefinite" restart="never" nodeType="tmRoot">
+          <p:childTnLst>
+            <p:seq concurrent="1" nextAc="seek">
+              <p:cTn id="2" dur="indefinite" nodeType="mainSeq">
+                <p:childTnLst>
+                  <p:par>
+                    <p:cTn id="3" fill="hold" nodeType="clickPar">
+                      <p:stCondLst>
+                        <p:cond delay="indefinite"/>
+                      </p:stCondLst>
+                      <p:childTnLst>
+                        <p:par>
+                          <p:cTn id="4" fill="hold" nodeType="withGroup">
+                            <p:stCondLst>
+                              <p:cond delay="0"/>
+                            </p:stCondLst>
+                            <p:childTnLst>
+                              <p:par>
+                                <p:cTn id="5" presetID="4" presetClass="entr" presetSubtype="16" fill="hold" grpId="0" nodeType="clickEffect">
+                                  <p:stCondLst>
+                                    <p:cond delay="0"/>
+                                  </p:stCondLst>
+                                  <p:childTnLst>
+                                    <p:set>
+                                      <p:cBhvr>
+                                        <p:cTn id="6" dur="1" fill="hold">
+                                          <p:stCondLst>
+                                            <p:cond delay="0"/>
+                                          </p:stCondLst>
+                                        </p:cTn>
+                                        <p:tgtEl>
+                                          <p:spTgt spid="32772"/>
+                                        </p:tgtEl>
+                                        <p:attrNameLst>
+                                          <p:attrName>style.visibility</p:attrName>
+                                        </p:attrNameLst>
+                                      </p:cBhvr>
+                                      <p:to>
+                                        <p:strVal val="visible"/>
+                                      </p:to>
+                                    </p:set>
+                                    <p:animEffect transition="in" filter="box(in)">
+                                      <p:cBhvr>
+                                        <p:cTn id="7" dur="500"/>
+                                        <p:tgtEl>
+                                          <p:spTgt spid="32772"/>
+                                        </p:tgtEl>
+                                      </p:cBhvr>
+                                    </p:animEffect>
+                                  </p:childTnLst>
+                                </p:cTn>
+                              </p:par>
+                            </p:childTnLst>
+                          </p:cTn>
+                        </p:par>
+                      </p:childTnLst>
+                    </p:cTn>
+                  </p:par>
+                  <p:par>
+                    <p:cTn id="8" fill="hold" nodeType="clickPar">
+                      <p:stCondLst>
+                        <p:cond delay="indefinite"/>
+                      </p:stCondLst>
+                      <p:childTnLst>
+                        <p:par>
+                          <p:cTn id="9" fill="hold" nodeType="withGroup">
+                            <p:stCondLst>
+                              <p:cond delay="0"/>
+                            </p:stCondLst>
+                            <p:childTnLst>
+                              <p:par>
+                                <p:cTn id="10" presetID="4" presetClass="entr" presetSubtype="16" fill="hold" grpId="0" nodeType="clickEffect">
+                                  <p:stCondLst>
+                                    <p:cond delay="0"/>
+                                  </p:stCondLst>
+                                  <p:childTnLst>
+                                    <p:set>
+                                      <p:cBhvr>
+                                        <p:cTn id="11" dur="1" fill="hold">
+                                          <p:stCondLst>
+                                            <p:cond delay="0"/>
+                                          </p:stCondLst>
+                                        </p:cTn>
+                                        <p:tgtEl>
+                                          <p:spTgt spid="32773"/>
+                                        </p:tgtEl>
+                                        <p:attrNameLst>
+                                          <p:attrName>style.visibility</p:attrName>
+                                        </p:attrNameLst>
+                                      </p:cBhvr>
+                                      <p:to>
+                                        <p:strVal val="visible"/>
+                                      </p:to>
+                                    </p:set>
+                                    <p:animEffect transition="in" filter="box(in)">
+                                      <p:cBhvr>
+                                        <p:cTn id="12" dur="500"/>
+                                        <p:tgtEl>
+                                          <p:spTgt spid="32773"/>
+                                        </p:tgtEl>
+                                      </p:cBhvr>
+                                    </p:animEffect>
+                                  </p:childTnLst>
+                                </p:cTn>
+                              </p:par>
+                            </p:childTnLst>
+                          </p:cTn>
+                        </p:par>
+                      </p:childTnLst>
+                    </p:cTn>
+                  </p:par>
+                  <p:par>
+                    <p:cTn id="13" fill="hold" nodeType="clickPar">
+                      <p:stCondLst>
+                        <p:cond delay="indefinite"/>
+                      </p:stCondLst>
+                      <p:childTnLst>
+                        <p:par>
+                          <p:cTn id="14" fill="hold" nodeType="withGroup">
+                            <p:stCondLst>
+                              <p:cond delay="0"/>
+                            </p:stCondLst>
+                            <p:childTnLst>
+                              <p:par>
+                                <p:cTn id="15" presetID="4" presetClass="entr" presetSubtype="16" fill="hold" nodeType="clickEffect">
+                                  <p:stCondLst>
+                                    <p:cond delay="0"/>
+                                  </p:stCondLst>
+                                  <p:childTnLst>
+                                    <p:set>
+                                      <p:cBhvr>
+                                        <p:cTn id="16" dur="1" fill="hold">
+                                          <p:stCondLst>
+                                            <p:cond delay="0"/>
+                                          </p:stCondLst>
+                                        </p:cTn>
+                                        <p:tgtEl>
+                                          <p:spTgt spid="2"/>
+                                        </p:tgtEl>
+                                        <p:attrNameLst>
+                                          <p:attrName>style.visibility</p:attrName>
+                                        </p:attrNameLst>
+                                      </p:cBhvr>
+                                      <p:to>
+                                        <p:strVal val="visible"/>
+                                      </p:to>
+                                    </p:set>
+                                    <p:animEffect transition="in" filter="box(in)">
+                                      <p:cBhvr>
+                                        <p:cTn id="17" dur="500"/>
+                                        <p:tgtEl>
+                                          <p:spTgt spid="2"/>
+                                        </p:tgtEl>
+                                      </p:cBhvr>
+                                    </p:animEffect>
+                                  </p:childTnLst>
+                                </p:cTn>
+                              </p:par>
+                            </p:childTnLst>
+                          </p:cTn>
+                        </p:par>
+                      </p:childTnLst>
+                    </p:cTn>
+                  </p:par>
+                  <p:par>
+                    <p:cTn id="18" fill="hold" nodeType="clickPar">
+                      <p:stCondLst>
+                        <p:cond delay="indefinite"/>
+                      </p:stCondLst>
+                      <p:childTnLst>
+                        <p:par>
+                          <p:cTn id="19" fill="hold" nodeType="withGroup">
+                            <p:stCondLst>
+                              <p:cond delay="0"/>
+                            </p:stCondLst>
+                            <p:childTnLst>
+                              <p:par>
+                                <p:cTn id="20" presetID="4" presetClass="entr" presetSubtype="16" fill="hold" grpId="0" nodeType="clickEffect">
+                                  <p:stCondLst>
+                                    <p:cond delay="0"/>
+                                  </p:stCondLst>
+                                  <p:childTnLst>
+                                    <p:set>
+                                      <p:cBhvr>
+                                        <p:cTn id="21" dur="1" fill="hold">
+                                          <p:stCondLst>
+                                            <p:cond delay="0"/>
+                                          </p:stCondLst>
+                                        </p:cTn>
+                                        <p:tgtEl>
+                                          <p:spTgt spid="32775"/>
+                                        </p:tgtEl>
+                                        <p:attrNameLst>
+                                          <p:attrName>style.visibility</p:attrName>
+                                        </p:attrNameLst>
+                                      </p:cBhvr>
+                                      <p:to>
+                                        <p:strVal val="visible"/>
+                                      </p:to>
+                                    </p:set>
+                                    <p:animEffect transition="in" filter="box(in)">
+                                      <p:cBhvr>
+                                        <p:cTn id="22" dur="500"/>
+                                        <p:tgtEl>
+                                          <p:spTgt spid="32775"/>
+                                        </p:tgtEl>
+                                      </p:cBhvr>
+                                    </p:animEffect>
+                                  </p:childTnLst>
+                                </p:cTn>
+                              </p:par>
+                            </p:childTnLst>
+                          </p:cTn>
+                        </p:par>
+                      </p:childTnLst>
+                    </p:cTn>
+                  </p:par>
+                  <p:par>
+                    <p:cTn id="23" fill="hold">
+                      <p:stCondLst>
+                        <p:cond delay="indefinite"/>
+                      </p:stCondLst>
+                      <p:childTnLst>
+                        <p:par>
+                          <p:cTn id="24" fill="hold">
+                            <p:stCondLst>
+                              <p:cond delay="0"/>
+                            </p:stCondLst>
+                            <p:childTnLst>
+                              <p:par>
+                                <p:cTn id="25" presetID="4" presetClass="entr" presetSubtype="16" fill="hold" grpId="0" nodeType="clickEffect">
+                                  <p:stCondLst>
+                                    <p:cond delay="0"/>
+                                  </p:stCondLst>
+                                  <p:childTnLst>
+                                    <p:set>
+                                      <p:cBhvr>
+                                        <p:cTn id="26" dur="1" fill="hold">
+                                          <p:stCondLst>
+                                            <p:cond delay="0"/>
+                                          </p:stCondLst>
+                                        </p:cTn>
+                                        <p:tgtEl>
+                                          <p:spTgt spid="14"/>
+                                        </p:tgtEl>
+                                        <p:attrNameLst>
+                                          <p:attrName>style.visibility</p:attrName>
+                                        </p:attrNameLst>
+                                      </p:cBhvr>
+                                      <p:to>
+                                        <p:strVal val="visible"/>
+                                      </p:to>
+                                    </p:set>
+                                    <p:animEffect transition="in" filter="box(in)">
+                                      <p:cBhvr>
+                                        <p:cTn id="27" dur="500"/>
+                                        <p:tgtEl>
+                                          <p:spTgt spid="14"/>
+                                        </p:tgtEl>
+                                      </p:cBhvr>
+                                    </p:animEffect>
+                                  </p:childTnLst>
+                                </p:cTn>
+                              </p:par>
+                            </p:childTnLst>
+                          </p:cTn>
+                        </p:par>
+                      </p:childTnLst>
+                    </p:cTn>
+                  </p:par>
+                </p:childTnLst>
+              </p:cTn>
+              <p:prevCondLst>
+                <p:cond evt="onPrev" delay="0">
+                  <p:tgtEl>
+                    <p:sldTgt/>
+                  </p:tgtEl>
+                </p:cond>
+              </p:prevCondLst>
+              <p:nextCondLst>
+                <p:cond evt="onNext" delay="0">
+                  <p:tgtEl>
+                    <p:sldTgt/>
+                  </p:tgtEl>
+                </p:cond>
+              </p:nextCondLst>
+            </p:seq>
+          </p:childTnLst>
+        </p:cTn>
+      </p:par>
+    </p:tnLst>
+    <p:bldLst>
+      <p:bldP spid="32772" grpId="0"/>
+      <p:bldP spid="32773" grpId="0"/>
+      <p:bldP spid="32775" grpId="0"/>
+      <p:bldP spid="14" grpId="0"/>
     </p:bldLst>
   </p:timing>
 </p:sld>
@@ -29136,7 +30710,7 @@
           <a:graphicData uri="http://schemas.openxmlformats.org/presentationml/2006/ole">
             <mc:AlternateContent xmlns:mc="http://schemas.openxmlformats.org/markup-compatibility/2006">
               <mc:Choice xmlns:v="urn:schemas-microsoft-com:vml" Requires="v">
-                <p:oleObj spid="_x0000_s28703" name="Imagen" r:id="rId3" imgW="3675063" imgH="1587500" progId="MS_ClipArt_Gallery.2">
+                <p:oleObj spid="_x0000_s28705" name="Imagen" r:id="rId3" imgW="3675063" imgH="1587500" progId="MS_ClipArt_Gallery.2">
                   <p:embed/>
                 </p:oleObj>
               </mc:Choice>
